--- a/Slide.pptx
+++ b/Slide.pptx
@@ -8091,7 +8091,7 @@
           <a:lstStyle/>
           <a:p>
             <a:r>
-              <a:rPr lang="en-US" sz="3000" b="1" dirty="0">
+              <a:rPr lang="en-US" sz="3000" dirty="0">
                 <a:solidFill>
                   <a:srgbClr val="FF0000"/>
                 </a:solidFill>
@@ -9263,7 +9263,7 @@
           <a:lstStyle/>
           <a:p>
             <a:r>
-              <a:rPr lang="en-US" sz="3200" b="1" dirty="0" err="1">
+              <a:rPr lang="en-US" sz="3200" dirty="0" err="1">
                 <a:solidFill>
                   <a:srgbClr val="FF0000"/>
                 </a:solidFill>
@@ -9271,7 +9271,7 @@
               <a:t>AddRoundKey</a:t>
             </a:r>
             <a:r>
-              <a:rPr lang="en-US" sz="3200" b="1" dirty="0">
+              <a:rPr lang="en-US" sz="3200" dirty="0">
                 <a:solidFill>
                   <a:srgbClr val="FF0000"/>
                 </a:solidFill>
@@ -11574,7 +11574,7 @@
           <a:lstStyle/>
           <a:p>
             <a:r>
-              <a:rPr lang="en-US" sz="3200" dirty="0">
+              <a:rPr lang="en-US" sz="3200" b="1" dirty="0">
                 <a:solidFill>
                   <a:srgbClr val="FF0000"/>
                 </a:solidFill>
@@ -11583,7 +11583,7 @@
             </a:r>
           </a:p>
           <a:p>
-            <a:endParaRPr lang="en-US" sz="3200" dirty="0">
+            <a:endParaRPr lang="en-US" sz="3200" b="1" dirty="0">
               <a:solidFill>
                 <a:srgbClr val="FF0000"/>
               </a:solidFill>
@@ -13689,7 +13689,7 @@
           <a:lstStyle/>
           <a:p>
             <a:r>
-              <a:rPr lang="en-US" sz="3200" dirty="0">
+              <a:rPr lang="en-US" sz="3200" b="1" dirty="0">
                 <a:solidFill>
                   <a:srgbClr val="FF0000"/>
                 </a:solidFill>
@@ -13697,7 +13697,7 @@
               <a:t>1.2. </a:t>
             </a:r>
             <a:r>
-              <a:rPr lang="en-US" sz="3200" dirty="0" err="1">
+              <a:rPr lang="en-US" sz="3200" b="1" dirty="0" err="1">
                 <a:solidFill>
                   <a:srgbClr val="FF0000"/>
                 </a:solidFill>
@@ -13705,7 +13705,7 @@
               <a:t>Các</a:t>
             </a:r>
             <a:r>
-              <a:rPr lang="en-US" sz="3200" dirty="0">
+              <a:rPr lang="en-US" sz="3200" b="1" dirty="0">
                 <a:solidFill>
                   <a:srgbClr val="FF0000"/>
                 </a:solidFill>
@@ -13713,7 +13713,7 @@
               <a:t> </a:t>
             </a:r>
             <a:r>
-              <a:rPr lang="en-US" sz="3200" dirty="0" err="1">
+              <a:rPr lang="en-US" sz="3200" b="1" dirty="0" err="1">
                 <a:solidFill>
                   <a:srgbClr val="FF0000"/>
                 </a:solidFill>
@@ -13721,7 +13721,7 @@
               <a:t>quy</a:t>
             </a:r>
             <a:r>
-              <a:rPr lang="en-US" sz="3200" dirty="0">
+              <a:rPr lang="en-US" sz="3200" b="1" dirty="0">
                 <a:solidFill>
                   <a:srgbClr val="FF0000"/>
                 </a:solidFill>
@@ -13729,7 +13729,7 @@
               <a:t> </a:t>
             </a:r>
             <a:r>
-              <a:rPr lang="en-US" sz="3200" dirty="0" err="1">
+              <a:rPr lang="en-US" sz="3200" b="1" dirty="0" err="1">
                 <a:solidFill>
                   <a:srgbClr val="FF0000"/>
                 </a:solidFill>
@@ -13737,7 +13737,7 @@
               <a:t>chuẩn</a:t>
             </a:r>
             <a:r>
-              <a:rPr lang="en-US" sz="3200" dirty="0">
+              <a:rPr lang="en-US" sz="3200" b="1" dirty="0">
                 <a:solidFill>
                   <a:srgbClr val="FF0000"/>
                 </a:solidFill>
@@ -13745,7 +13745,7 @@
               <a:t> </a:t>
             </a:r>
             <a:r>
-              <a:rPr lang="en-US" sz="3200" dirty="0" err="1">
+              <a:rPr lang="en-US" sz="3200" b="1" dirty="0" err="1">
                 <a:solidFill>
                   <a:srgbClr val="FF0000"/>
                 </a:solidFill>
@@ -13753,7 +13753,7 @@
               <a:t>và</a:t>
             </a:r>
             <a:r>
-              <a:rPr lang="en-US" sz="3200" dirty="0">
+              <a:rPr lang="en-US" sz="3200" b="1" dirty="0">
                 <a:solidFill>
                   <a:srgbClr val="FF0000"/>
                 </a:solidFill>
@@ -13761,7 +13761,7 @@
               <a:t> </a:t>
             </a:r>
             <a:r>
-              <a:rPr lang="en-US" sz="3200" dirty="0" err="1">
+              <a:rPr lang="en-US" sz="3200" b="1" dirty="0" err="1">
                 <a:solidFill>
                   <a:srgbClr val="FF0000"/>
                 </a:solidFill>
@@ -13769,7 +13769,7 @@
               <a:t>định</a:t>
             </a:r>
             <a:r>
-              <a:rPr lang="en-US" sz="3200" dirty="0">
+              <a:rPr lang="en-US" sz="3200" b="1" dirty="0">
                 <a:solidFill>
                   <a:srgbClr val="FF0000"/>
                 </a:solidFill>
@@ -13777,14 +13777,14 @@
               <a:t> </a:t>
             </a:r>
             <a:r>
-              <a:rPr lang="en-US" sz="3200" dirty="0" err="1">
+              <a:rPr lang="en-US" sz="3200" b="1" dirty="0" err="1">
                 <a:solidFill>
                   <a:srgbClr val="FF0000"/>
                 </a:solidFill>
               </a:rPr>
               <a:t>nghĩa</a:t>
             </a:r>
-            <a:endParaRPr lang="en-US" sz="3200" dirty="0">
+            <a:endParaRPr lang="en-US" sz="3200" b="1" dirty="0">
               <a:solidFill>
                 <a:srgbClr val="FF0000"/>
               </a:solidFill>

--- a/Slide.pptx
+++ b/Slide.pptx
@@ -13950,7 +13950,7 @@
             </a:r>
             <a:r>
               <a:rPr lang="en-US" sz="2200" dirty="0" err="1"/>
-              <a:t>dại</a:t>
+              <a:t>dài</a:t>
             </a:r>
             <a:r>
               <a:rPr lang="en-US" sz="2200" dirty="0"/>
@@ -14155,27 +14155,15 @@
               <a:t> </a:t>
             </a:r>
             <a:r>
-              <a:rPr lang="en-US" sz="2200" i="1" dirty="0"/>
+              <a:rPr lang="en-US" sz="2200" i="1"/>
               <a:t>x</a:t>
             </a:r>
             <a:r>
-              <a:rPr lang="en-US" sz="2200" i="1" baseline="30000" dirty="0"/>
+              <a:rPr lang="en-US" sz="2200" i="1" baseline="30000"/>
               <a:t>7</a:t>
             </a:r>
             <a:r>
-              <a:rPr lang="en-US" sz="2200" dirty="0"/>
-              <a:t> +</a:t>
-            </a:r>
-            <a:r>
-              <a:rPr lang="en-US" sz="2200" i="1" dirty="0"/>
-              <a:t> x</a:t>
-            </a:r>
-            <a:r>
-              <a:rPr lang="en-US" sz="2200" i="1" baseline="30000" dirty="0"/>
-              <a:t>9</a:t>
-            </a:r>
-            <a:r>
-              <a:rPr lang="en-US" sz="2200" dirty="0"/>
+              <a:rPr lang="en-US" sz="2200"/>
               <a:t> + </a:t>
             </a:r>
             <a:r>

--- a/Slide.pptx
+++ b/Slide.pptx
@@ -215,7 +215,7 @@
           <a:p>
             <a:fld id="{E90CF2FE-EA42-4E8D-BA35-4921E21673B3}" type="datetimeFigureOut">
               <a:rPr lang="en-US" smtClean="0"/>
-              <a:t>3/20/2019</a:t>
+              <a:t>3/26/2019</a:t>
             </a:fld>
             <a:endParaRPr lang="en-US"/>
           </a:p>
@@ -653,7 +653,7 @@
           <a:p>
             <a:fld id="{48A87A34-81AB-432B-8DAE-1953F412C126}" type="datetimeFigureOut">
               <a:rPr lang="en-US" dirty="0"/>
-              <a:t>3/20/2019</a:t>
+              <a:t>3/26/2019</a:t>
             </a:fld>
             <a:endParaRPr lang="en-US" dirty="0"/>
           </a:p>
@@ -960,7 +960,7 @@
           <a:p>
             <a:fld id="{48A87A34-81AB-432B-8DAE-1953F412C126}" type="datetimeFigureOut">
               <a:rPr lang="en-US" dirty="0"/>
-              <a:t>3/20/2019</a:t>
+              <a:t>3/26/2019</a:t>
             </a:fld>
             <a:endParaRPr lang="en-US" dirty="0"/>
           </a:p>
@@ -1177,7 +1177,7 @@
           <a:p>
             <a:fld id="{48A87A34-81AB-432B-8DAE-1953F412C126}" type="datetimeFigureOut">
               <a:rPr lang="en-US" dirty="0"/>
-              <a:t>3/20/2019</a:t>
+              <a:t>3/26/2019</a:t>
             </a:fld>
             <a:endParaRPr lang="en-US" dirty="0"/>
           </a:p>
@@ -1463,7 +1463,7 @@
           <a:p>
             <a:fld id="{48A87A34-81AB-432B-8DAE-1953F412C126}" type="datetimeFigureOut">
               <a:rPr lang="en-US" dirty="0"/>
-              <a:t>3/20/2019</a:t>
+              <a:t>3/26/2019</a:t>
             </a:fld>
             <a:endParaRPr lang="en-US" dirty="0"/>
           </a:p>
@@ -1912,7 +1912,7 @@
           <a:p>
             <a:fld id="{48A87A34-81AB-432B-8DAE-1953F412C126}" type="datetimeFigureOut">
               <a:rPr lang="en-US" dirty="0"/>
-              <a:t>3/20/2019</a:t>
+              <a:t>3/26/2019</a:t>
             </a:fld>
             <a:endParaRPr lang="en-US" dirty="0"/>
           </a:p>
@@ -2483,7 +2483,7 @@
           <a:p>
             <a:fld id="{48A87A34-81AB-432B-8DAE-1953F412C126}" type="datetimeFigureOut">
               <a:rPr lang="en-US" dirty="0"/>
-              <a:t>3/20/2019</a:t>
+              <a:t>3/26/2019</a:t>
             </a:fld>
             <a:endParaRPr lang="en-US" dirty="0"/>
           </a:p>
@@ -3330,7 +3330,7 @@
           <a:p>
             <a:fld id="{48A87A34-81AB-432B-8DAE-1953F412C126}" type="datetimeFigureOut">
               <a:rPr lang="en-US" dirty="0"/>
-              <a:t>3/20/2019</a:t>
+              <a:t>3/26/2019</a:t>
             </a:fld>
             <a:endParaRPr lang="en-US" dirty="0"/>
           </a:p>
@@ -3530,7 +3530,7 @@
           <a:p>
             <a:fld id="{48A87A34-81AB-432B-8DAE-1953F412C126}" type="datetimeFigureOut">
               <a:rPr lang="en-US" dirty="0"/>
-              <a:t>3/20/2019</a:t>
+              <a:t>3/26/2019</a:t>
             </a:fld>
             <a:endParaRPr lang="en-US" dirty="0"/>
           </a:p>
@@ -3739,7 +3739,7 @@
           <a:p>
             <a:fld id="{48A87A34-81AB-432B-8DAE-1953F412C126}" type="datetimeFigureOut">
               <a:rPr lang="en-US" dirty="0"/>
-              <a:t>3/20/2019</a:t>
+              <a:t>3/26/2019</a:t>
             </a:fld>
             <a:endParaRPr lang="en-US" dirty="0"/>
           </a:p>
@@ -3939,7 +3939,7 @@
           <a:p>
             <a:fld id="{48A87A34-81AB-432B-8DAE-1953F412C126}" type="datetimeFigureOut">
               <a:rPr lang="en-US" dirty="0"/>
-              <a:t>3/20/2019</a:t>
+              <a:t>3/26/2019</a:t>
             </a:fld>
             <a:endParaRPr lang="en-US" dirty="0"/>
           </a:p>
@@ -4214,7 +4214,7 @@
           <a:p>
             <a:fld id="{48A87A34-81AB-432B-8DAE-1953F412C126}" type="datetimeFigureOut">
               <a:rPr lang="en-US" dirty="0"/>
-              <a:t>3/20/2019</a:t>
+              <a:t>3/26/2019</a:t>
             </a:fld>
             <a:endParaRPr lang="en-US" dirty="0"/>
           </a:p>
@@ -4476,7 +4476,7 @@
           <a:p>
             <a:fld id="{48A87A34-81AB-432B-8DAE-1953F412C126}" type="datetimeFigureOut">
               <a:rPr lang="en-US" dirty="0"/>
-              <a:t>3/20/2019</a:t>
+              <a:t>3/26/2019</a:t>
             </a:fld>
             <a:endParaRPr lang="en-US" dirty="0"/>
           </a:p>
@@ -4886,7 +4886,7 @@
           <a:p>
             <a:fld id="{48A87A34-81AB-432B-8DAE-1953F412C126}" type="datetimeFigureOut">
               <a:rPr lang="en-US" dirty="0"/>
-              <a:t>3/20/2019</a:t>
+              <a:t>3/26/2019</a:t>
             </a:fld>
             <a:endParaRPr lang="en-US" dirty="0"/>
           </a:p>
@@ -5029,7 +5029,7 @@
           <a:p>
             <a:fld id="{48A87A34-81AB-432B-8DAE-1953F412C126}" type="datetimeFigureOut">
               <a:rPr lang="en-US" dirty="0"/>
-              <a:t>3/20/2019</a:t>
+              <a:t>3/26/2019</a:t>
             </a:fld>
             <a:endParaRPr lang="en-US" dirty="0"/>
           </a:p>
@@ -5149,7 +5149,7 @@
           <a:p>
             <a:fld id="{48A87A34-81AB-432B-8DAE-1953F412C126}" type="datetimeFigureOut">
               <a:rPr lang="en-US" dirty="0"/>
-              <a:t>3/20/2019</a:t>
+              <a:t>3/26/2019</a:t>
             </a:fld>
             <a:endParaRPr lang="en-US" dirty="0"/>
           </a:p>
@@ -5423,7 +5423,7 @@
           <a:p>
             <a:fld id="{48A87A34-81AB-432B-8DAE-1953F412C126}" type="datetimeFigureOut">
               <a:rPr lang="en-US" dirty="0"/>
-              <a:t>3/20/2019</a:t>
+              <a:t>3/26/2019</a:t>
             </a:fld>
             <a:endParaRPr lang="en-US" dirty="0"/>
           </a:p>
@@ -5730,7 +5730,7 @@
           <a:p>
             <a:fld id="{48A87A34-81AB-432B-8DAE-1953F412C126}" type="datetimeFigureOut">
               <a:rPr lang="en-US" dirty="0"/>
-              <a:t>3/20/2019</a:t>
+              <a:t>3/26/2019</a:t>
             </a:fld>
             <a:endParaRPr lang="en-US" dirty="0"/>
           </a:p>
@@ -5979,7 +5979,7 @@
             <a:fld id="{48A87A34-81AB-432B-8DAE-1953F412C126}" type="datetimeFigureOut">
               <a:rPr lang="en-US" dirty="0"/>
               <a:pPr/>
-              <a:t>3/20/2019</a:t>
+              <a:t>3/26/2019</a:t>
             </a:fld>
             <a:endParaRPr lang="en-US" dirty="0"/>
           </a:p>
@@ -7066,7 +7066,7 @@
               <a:t> </a:t>
             </a:r>
             <a:r>
-              <a:rPr lang="en-US" sz="2000" dirty="0" err="1">
+              <a:rPr lang="en-US" sz="2000" err="1">
                 <a:solidFill>
                   <a:prstClr val="black"/>
                 </a:solidFill>
@@ -7075,13 +7075,22 @@
               <a:t>dẫn</a:t>
             </a:r>
             <a:r>
+              <a:rPr lang="en-US" sz="2000">
+                <a:solidFill>
+                  <a:prstClr val="black"/>
+                </a:solidFill>
+                <a:cs typeface="Times New Roman" pitchFamily="18" charset="0"/>
+              </a:rPr>
+              <a:t>:	TS</a:t>
+            </a:r>
+            <a:r>
               <a:rPr lang="en-US" sz="2000" dirty="0">
                 <a:solidFill>
                   <a:prstClr val="black"/>
                 </a:solidFill>
                 <a:cs typeface="Times New Roman" pitchFamily="18" charset="0"/>
               </a:rPr>
-              <a:t>:   TS. Lê </a:t>
+              <a:t>. Lê </a:t>
             </a:r>
             <a:r>
               <a:rPr lang="en-US" sz="2000" dirty="0" err="1">
@@ -7152,7 +7161,7 @@
                 </a:solidFill>
                 <a:cs typeface="Times New Roman" pitchFamily="18" charset="0"/>
               </a:rPr>
-              <a:t> </a:t>
+              <a:t> thực hiện:		Nguyễn Anh </a:t>
             </a:r>
             <a:r>
               <a:rPr lang="en-US" sz="2000" dirty="0" err="1">
@@ -7161,7 +7170,7 @@
                 </a:solidFill>
                 <a:cs typeface="Times New Roman" pitchFamily="18" charset="0"/>
               </a:rPr>
-              <a:t>thực</a:t>
+              <a:t>Tuấn</a:t>
             </a:r>
             <a:r>
               <a:rPr lang="en-US" sz="2000" dirty="0">
@@ -7179,7 +7188,7 @@
                 </a:solidFill>
                 <a:cs typeface="Times New Roman" pitchFamily="18" charset="0"/>
               </a:rPr>
-              <a:t>hiện</a:t>
+              <a:t>Tùng</a:t>
             </a:r>
             <a:r>
               <a:rPr lang="en-US" sz="2000" dirty="0">
@@ -7188,7 +7197,18 @@
                 </a:solidFill>
                 <a:cs typeface="Times New Roman" pitchFamily="18" charset="0"/>
               </a:rPr>
-              <a:t>:        </a:t>
+              <a:t> -20154247</a:t>
+            </a:r>
+          </a:p>
+          <a:p>
+            <a:r>
+              <a:rPr lang="en-US" sz="2000" dirty="0">
+                <a:solidFill>
+                  <a:prstClr val="black"/>
+                </a:solidFill>
+                <a:cs typeface="Times New Roman" pitchFamily="18" charset="0"/>
+              </a:rPr>
+              <a:t>						</a:t>
             </a:r>
             <a:r>
               <a:rPr lang="en-US" sz="2000" dirty="0" err="1">
@@ -7197,7 +7217,7 @@
                 </a:solidFill>
                 <a:cs typeface="Times New Roman" pitchFamily="18" charset="0"/>
               </a:rPr>
-              <a:t>Nguyễn</a:t>
+              <a:t>Hoàng</a:t>
             </a:r>
             <a:r>
               <a:rPr lang="en-US" sz="2000" dirty="0">
@@ -7206,7 +7226,7 @@
                 </a:solidFill>
                 <a:cs typeface="Times New Roman" pitchFamily="18" charset="0"/>
               </a:rPr>
-              <a:t> Anh </a:t>
+              <a:t> </a:t>
             </a:r>
             <a:r>
               <a:rPr lang="en-US" sz="2000" dirty="0" err="1">
@@ -7215,7 +7235,7 @@
                 </a:solidFill>
                 <a:cs typeface="Times New Roman" pitchFamily="18" charset="0"/>
               </a:rPr>
-              <a:t>Tuấn</a:t>
+              <a:t>Hải</a:t>
             </a:r>
             <a:r>
               <a:rPr lang="en-US" sz="2000" dirty="0">
@@ -7224,7 +7244,18 @@
                 </a:solidFill>
                 <a:cs typeface="Times New Roman" pitchFamily="18" charset="0"/>
               </a:rPr>
-              <a:t> </a:t>
+              <a:t> Tú – 20154194</a:t>
+            </a:r>
+          </a:p>
+          <a:p>
+            <a:r>
+              <a:rPr lang="en-US" sz="2000" dirty="0">
+                <a:solidFill>
+                  <a:prstClr val="black"/>
+                </a:solidFill>
+                <a:cs typeface="Times New Roman" pitchFamily="18" charset="0"/>
+              </a:rPr>
+              <a:t>						Lê </a:t>
             </a:r>
             <a:r>
               <a:rPr lang="en-US" sz="2000" dirty="0" err="1">
@@ -7233,7 +7264,7 @@
                 </a:solidFill>
                 <a:cs typeface="Times New Roman" pitchFamily="18" charset="0"/>
               </a:rPr>
-              <a:t>Tùng</a:t>
+              <a:t>Thị</a:t>
             </a:r>
             <a:r>
               <a:rPr lang="en-US" sz="2000" dirty="0">
@@ -7242,55 +7273,18 @@
                 </a:solidFill>
                 <a:cs typeface="Times New Roman" pitchFamily="18" charset="0"/>
               </a:rPr>
-              <a:t> - 					    			    Hoàng </a:t>
-            </a:r>
-            <a:r>
-              <a:rPr lang="en-US" sz="2000" dirty="0" err="1">
-                <a:solidFill>
-                  <a:prstClr val="black"/>
-                </a:solidFill>
-                <a:cs typeface="Times New Roman" pitchFamily="18" charset="0"/>
-              </a:rPr>
-              <a:t>Hải</a:t>
-            </a:r>
-            <a:r>
-              <a:rPr lang="en-US" sz="2000" dirty="0">
-                <a:solidFill>
-                  <a:prstClr val="black"/>
-                </a:solidFill>
-                <a:cs typeface="Times New Roman" pitchFamily="18" charset="0"/>
-              </a:rPr>
-              <a:t> Tú - 20154194</a:t>
-            </a:r>
-          </a:p>
-          <a:p>
-            <a:r>
-              <a:rPr lang="en-US" sz="2000" dirty="0">
-                <a:solidFill>
-                  <a:prstClr val="black"/>
-                </a:solidFill>
-                <a:cs typeface="Times New Roman" pitchFamily="18" charset="0"/>
-              </a:rPr>
-              <a:t>					    Lê </a:t>
-            </a:r>
-            <a:r>
-              <a:rPr lang="en-US" sz="2000" dirty="0" err="1">
-                <a:solidFill>
-                  <a:prstClr val="black"/>
-                </a:solidFill>
-                <a:cs typeface="Times New Roman" pitchFamily="18" charset="0"/>
-              </a:rPr>
-              <a:t>Thị</a:t>
-            </a:r>
-            <a:r>
-              <a:rPr lang="en-US" sz="2000" dirty="0">
-                <a:solidFill>
-                  <a:prstClr val="black"/>
-                </a:solidFill>
-                <a:cs typeface="Times New Roman" pitchFamily="18" charset="0"/>
-              </a:rPr>
-              <a:t> Trang	</a:t>
-            </a:r>
+              <a:t> Trang - </a:t>
+            </a:r>
+            <a:r>
+              <a:rPr lang="en-US" sz="2000" dirty="0"/>
+              <a:t>20153867</a:t>
+            </a:r>
+            <a:endParaRPr lang="en-US" sz="2000" dirty="0">
+              <a:solidFill>
+                <a:prstClr val="black"/>
+              </a:solidFill>
+              <a:cs typeface="Times New Roman" pitchFamily="18" charset="0"/>
+            </a:endParaRPr>
           </a:p>
           <a:p>
             <a:endParaRPr lang="en-US" sz="2000" dirty="0">

--- a/Slide.pptx
+++ b/Slide.pptx
@@ -5,7 +5,7 @@
     <p:sldMasterId id="2147483648" r:id="rId1"/>
   </p:sldMasterIdLst>
   <p:notesMasterIdLst>
-    <p:notesMasterId r:id="rId21"/>
+    <p:notesMasterId r:id="rId22"/>
   </p:notesMasterIdLst>
   <p:sldIdLst>
     <p:sldId id="256" r:id="rId2"/>
@@ -14,19 +14,20 @@
     <p:sldId id="258" r:id="rId5"/>
     <p:sldId id="259" r:id="rId6"/>
     <p:sldId id="260" r:id="rId7"/>
-    <p:sldId id="261" r:id="rId8"/>
-    <p:sldId id="262" r:id="rId9"/>
-    <p:sldId id="263" r:id="rId10"/>
-    <p:sldId id="264" r:id="rId11"/>
-    <p:sldId id="265" r:id="rId12"/>
-    <p:sldId id="266" r:id="rId13"/>
-    <p:sldId id="267" r:id="rId14"/>
-    <p:sldId id="268" r:id="rId15"/>
-    <p:sldId id="269" r:id="rId16"/>
-    <p:sldId id="270" r:id="rId17"/>
-    <p:sldId id="271" r:id="rId18"/>
-    <p:sldId id="272" r:id="rId19"/>
-    <p:sldId id="273" r:id="rId20"/>
+    <p:sldId id="275" r:id="rId8"/>
+    <p:sldId id="261" r:id="rId9"/>
+    <p:sldId id="262" r:id="rId10"/>
+    <p:sldId id="263" r:id="rId11"/>
+    <p:sldId id="264" r:id="rId12"/>
+    <p:sldId id="265" r:id="rId13"/>
+    <p:sldId id="266" r:id="rId14"/>
+    <p:sldId id="267" r:id="rId15"/>
+    <p:sldId id="268" r:id="rId16"/>
+    <p:sldId id="269" r:id="rId17"/>
+    <p:sldId id="270" r:id="rId18"/>
+    <p:sldId id="271" r:id="rId19"/>
+    <p:sldId id="272" r:id="rId20"/>
+    <p:sldId id="273" r:id="rId21"/>
   </p:sldIdLst>
   <p:sldSz cx="12192000" cy="6858000"/>
   <p:notesSz cx="6858000" cy="9144000"/>
@@ -215,7 +216,7 @@
           <a:p>
             <a:fld id="{E90CF2FE-EA42-4E8D-BA35-4921E21673B3}" type="datetimeFigureOut">
               <a:rPr lang="en-US" smtClean="0"/>
-              <a:t>3/26/2019</a:t>
+              <a:t>3/27/2019</a:t>
             </a:fld>
             <a:endParaRPr lang="en-US"/>
           </a:p>
@@ -653,7 +654,7 @@
           <a:p>
             <a:fld id="{48A87A34-81AB-432B-8DAE-1953F412C126}" type="datetimeFigureOut">
               <a:rPr lang="en-US" dirty="0"/>
-              <a:t>3/26/2019</a:t>
+              <a:t>3/27/2019</a:t>
             </a:fld>
             <a:endParaRPr lang="en-US" dirty="0"/>
           </a:p>
@@ -960,7 +961,7 @@
           <a:p>
             <a:fld id="{48A87A34-81AB-432B-8DAE-1953F412C126}" type="datetimeFigureOut">
               <a:rPr lang="en-US" dirty="0"/>
-              <a:t>3/26/2019</a:t>
+              <a:t>3/27/2019</a:t>
             </a:fld>
             <a:endParaRPr lang="en-US" dirty="0"/>
           </a:p>
@@ -1177,7 +1178,7 @@
           <a:p>
             <a:fld id="{48A87A34-81AB-432B-8DAE-1953F412C126}" type="datetimeFigureOut">
               <a:rPr lang="en-US" dirty="0"/>
-              <a:t>3/26/2019</a:t>
+              <a:t>3/27/2019</a:t>
             </a:fld>
             <a:endParaRPr lang="en-US" dirty="0"/>
           </a:p>
@@ -1463,7 +1464,7 @@
           <a:p>
             <a:fld id="{48A87A34-81AB-432B-8DAE-1953F412C126}" type="datetimeFigureOut">
               <a:rPr lang="en-US" dirty="0"/>
-              <a:t>3/26/2019</a:t>
+              <a:t>3/27/2019</a:t>
             </a:fld>
             <a:endParaRPr lang="en-US" dirty="0"/>
           </a:p>
@@ -1912,7 +1913,7 @@
           <a:p>
             <a:fld id="{48A87A34-81AB-432B-8DAE-1953F412C126}" type="datetimeFigureOut">
               <a:rPr lang="en-US" dirty="0"/>
-              <a:t>3/26/2019</a:t>
+              <a:t>3/27/2019</a:t>
             </a:fld>
             <a:endParaRPr lang="en-US" dirty="0"/>
           </a:p>
@@ -2483,7 +2484,7 @@
           <a:p>
             <a:fld id="{48A87A34-81AB-432B-8DAE-1953F412C126}" type="datetimeFigureOut">
               <a:rPr lang="en-US" dirty="0"/>
-              <a:t>3/26/2019</a:t>
+              <a:t>3/27/2019</a:t>
             </a:fld>
             <a:endParaRPr lang="en-US" dirty="0"/>
           </a:p>
@@ -3330,7 +3331,7 @@
           <a:p>
             <a:fld id="{48A87A34-81AB-432B-8DAE-1953F412C126}" type="datetimeFigureOut">
               <a:rPr lang="en-US" dirty="0"/>
-              <a:t>3/26/2019</a:t>
+              <a:t>3/27/2019</a:t>
             </a:fld>
             <a:endParaRPr lang="en-US" dirty="0"/>
           </a:p>
@@ -3530,7 +3531,7 @@
           <a:p>
             <a:fld id="{48A87A34-81AB-432B-8DAE-1953F412C126}" type="datetimeFigureOut">
               <a:rPr lang="en-US" dirty="0"/>
-              <a:t>3/26/2019</a:t>
+              <a:t>3/27/2019</a:t>
             </a:fld>
             <a:endParaRPr lang="en-US" dirty="0"/>
           </a:p>
@@ -3739,7 +3740,7 @@
           <a:p>
             <a:fld id="{48A87A34-81AB-432B-8DAE-1953F412C126}" type="datetimeFigureOut">
               <a:rPr lang="en-US" dirty="0"/>
-              <a:t>3/26/2019</a:t>
+              <a:t>3/27/2019</a:t>
             </a:fld>
             <a:endParaRPr lang="en-US" dirty="0"/>
           </a:p>
@@ -3939,7 +3940,7 @@
           <a:p>
             <a:fld id="{48A87A34-81AB-432B-8DAE-1953F412C126}" type="datetimeFigureOut">
               <a:rPr lang="en-US" dirty="0"/>
-              <a:t>3/26/2019</a:t>
+              <a:t>3/27/2019</a:t>
             </a:fld>
             <a:endParaRPr lang="en-US" dirty="0"/>
           </a:p>
@@ -4214,7 +4215,7 @@
           <a:p>
             <a:fld id="{48A87A34-81AB-432B-8DAE-1953F412C126}" type="datetimeFigureOut">
               <a:rPr lang="en-US" dirty="0"/>
-              <a:t>3/26/2019</a:t>
+              <a:t>3/27/2019</a:t>
             </a:fld>
             <a:endParaRPr lang="en-US" dirty="0"/>
           </a:p>
@@ -4476,7 +4477,7 @@
           <a:p>
             <a:fld id="{48A87A34-81AB-432B-8DAE-1953F412C126}" type="datetimeFigureOut">
               <a:rPr lang="en-US" dirty="0"/>
-              <a:t>3/26/2019</a:t>
+              <a:t>3/27/2019</a:t>
             </a:fld>
             <a:endParaRPr lang="en-US" dirty="0"/>
           </a:p>
@@ -4886,7 +4887,7 @@
           <a:p>
             <a:fld id="{48A87A34-81AB-432B-8DAE-1953F412C126}" type="datetimeFigureOut">
               <a:rPr lang="en-US" dirty="0"/>
-              <a:t>3/26/2019</a:t>
+              <a:t>3/27/2019</a:t>
             </a:fld>
             <a:endParaRPr lang="en-US" dirty="0"/>
           </a:p>
@@ -5029,7 +5030,7 @@
           <a:p>
             <a:fld id="{48A87A34-81AB-432B-8DAE-1953F412C126}" type="datetimeFigureOut">
               <a:rPr lang="en-US" dirty="0"/>
-              <a:t>3/26/2019</a:t>
+              <a:t>3/27/2019</a:t>
             </a:fld>
             <a:endParaRPr lang="en-US" dirty="0"/>
           </a:p>
@@ -5149,7 +5150,7 @@
           <a:p>
             <a:fld id="{48A87A34-81AB-432B-8DAE-1953F412C126}" type="datetimeFigureOut">
               <a:rPr lang="en-US" dirty="0"/>
-              <a:t>3/26/2019</a:t>
+              <a:t>3/27/2019</a:t>
             </a:fld>
             <a:endParaRPr lang="en-US" dirty="0"/>
           </a:p>
@@ -5423,7 +5424,7 @@
           <a:p>
             <a:fld id="{48A87A34-81AB-432B-8DAE-1953F412C126}" type="datetimeFigureOut">
               <a:rPr lang="en-US" dirty="0"/>
-              <a:t>3/26/2019</a:t>
+              <a:t>3/27/2019</a:t>
             </a:fld>
             <a:endParaRPr lang="en-US" dirty="0"/>
           </a:p>
@@ -5730,7 +5731,7 @@
           <a:p>
             <a:fld id="{48A87A34-81AB-432B-8DAE-1953F412C126}" type="datetimeFigureOut">
               <a:rPr lang="en-US" dirty="0"/>
-              <a:t>3/26/2019</a:t>
+              <a:t>3/27/2019</a:t>
             </a:fld>
             <a:endParaRPr lang="en-US" dirty="0"/>
           </a:p>
@@ -5979,7 +5980,7 @@
             <a:fld id="{48A87A34-81AB-432B-8DAE-1953F412C126}" type="datetimeFigureOut">
               <a:rPr lang="en-US" dirty="0"/>
               <a:pPr/>
-              <a:t>3/26/2019</a:t>
+              <a:t>3/27/2019</a:t>
             </a:fld>
             <a:endParaRPr lang="en-US" dirty="0"/>
           </a:p>
@@ -7331,6 +7332,271 @@
           <p:cNvPr id="2" name="TextBox 1">
             <a:extLst>
               <a:ext uri="{FF2B5EF4-FFF2-40B4-BE49-F238E27FC236}">
+                <a16:creationId xmlns:a16="http://schemas.microsoft.com/office/drawing/2014/main" id="{4D9491D2-37BD-44CD-BFAA-BEBB74C1CFF6}"/>
+              </a:ext>
+            </a:extLst>
+          </p:cNvPr>
+          <p:cNvSpPr txBox="1"/>
+          <p:nvPr/>
+        </p:nvSpPr>
+        <p:spPr>
+          <a:xfrm>
+            <a:off x="601117" y="1111045"/>
+            <a:ext cx="10989766" cy="461665"/>
+          </a:xfrm>
+          <a:prstGeom prst="rect">
+            <a:avLst/>
+          </a:prstGeom>
+          <a:noFill/>
+        </p:spPr>
+        <p:txBody>
+          <a:bodyPr wrap="square" rtlCol="0">
+            <a:spAutoFit/>
+          </a:bodyPr>
+          <a:lstStyle/>
+          <a:p>
+            <a:r>
+              <a:rPr lang="en-US" sz="2400" dirty="0" err="1"/>
+              <a:t>Xoay</a:t>
+            </a:r>
+            <a:r>
+              <a:rPr lang="en-US" sz="2400" dirty="0"/>
+              <a:t> </a:t>
+            </a:r>
+            <a:r>
+              <a:rPr lang="en-US" sz="2400" dirty="0" err="1"/>
+              <a:t>vòng</a:t>
+            </a:r>
+            <a:r>
+              <a:rPr lang="en-US" sz="2400" dirty="0"/>
+              <a:t> </a:t>
+            </a:r>
+            <a:r>
+              <a:rPr lang="en-US" sz="2400" dirty="0" err="1"/>
+              <a:t>các</a:t>
+            </a:r>
+            <a:r>
+              <a:rPr lang="en-US" sz="2400" dirty="0"/>
+              <a:t> byte </a:t>
+            </a:r>
+            <a:r>
+              <a:rPr lang="en-US" sz="2400" dirty="0" err="1"/>
+              <a:t>trong</a:t>
+            </a:r>
+            <a:r>
+              <a:rPr lang="en-US" sz="2400" dirty="0"/>
+              <a:t> </a:t>
+            </a:r>
+            <a:r>
+              <a:rPr lang="en-US" sz="2400" dirty="0" err="1"/>
+              <a:t>cùng</a:t>
+            </a:r>
+            <a:r>
+              <a:rPr lang="en-US" sz="2400" dirty="0"/>
+              <a:t> </a:t>
+            </a:r>
+            <a:r>
+              <a:rPr lang="en-US" sz="2400" dirty="0" err="1"/>
+              <a:t>một</a:t>
+            </a:r>
+            <a:r>
+              <a:rPr lang="en-US" sz="2400" dirty="0"/>
+              <a:t> </a:t>
+            </a:r>
+            <a:r>
+              <a:rPr lang="en-US" sz="2400" dirty="0" err="1"/>
+              <a:t>hàng</a:t>
+            </a:r>
+            <a:r>
+              <a:rPr lang="en-US" sz="2400" dirty="0"/>
+              <a:t> </a:t>
+            </a:r>
+            <a:r>
+              <a:rPr lang="en-US" sz="2400" dirty="0" err="1"/>
+              <a:t>của</a:t>
+            </a:r>
+            <a:r>
+              <a:rPr lang="en-US" sz="2400" dirty="0"/>
+              <a:t> State, </a:t>
+            </a:r>
+            <a:r>
+              <a:rPr lang="en-US" sz="2400" dirty="0" err="1"/>
+              <a:t>trừ</a:t>
+            </a:r>
+            <a:r>
+              <a:rPr lang="en-US" sz="2400" dirty="0"/>
+              <a:t> </a:t>
+            </a:r>
+            <a:r>
+              <a:rPr lang="en-US" sz="2400" dirty="0" err="1"/>
+              <a:t>hàng</a:t>
+            </a:r>
+            <a:r>
+              <a:rPr lang="en-US" sz="2400" dirty="0"/>
+              <a:t> </a:t>
+            </a:r>
+            <a:r>
+              <a:rPr lang="en-US" sz="2400" dirty="0" err="1"/>
+              <a:t>đầu</a:t>
+            </a:r>
+            <a:r>
+              <a:rPr lang="en-US" sz="2400" dirty="0"/>
+              <a:t> </a:t>
+            </a:r>
+            <a:r>
+              <a:rPr lang="en-US" sz="2400" dirty="0" err="1"/>
+              <a:t>giữ</a:t>
+            </a:r>
+            <a:r>
+              <a:rPr lang="en-US" sz="2400" dirty="0"/>
+              <a:t> </a:t>
+            </a:r>
+            <a:r>
+              <a:rPr lang="en-US" sz="2400" dirty="0" err="1"/>
+              <a:t>nguyên</a:t>
+            </a:r>
+            <a:r>
+              <a:rPr lang="en-US" sz="2400" dirty="0"/>
+              <a:t> </a:t>
+            </a:r>
+            <a:r>
+              <a:rPr lang="en-US" sz="2400" dirty="0" err="1"/>
+              <a:t>vị</a:t>
+            </a:r>
+            <a:r>
+              <a:rPr lang="en-US" sz="2400" dirty="0"/>
+              <a:t> </a:t>
+            </a:r>
+            <a:r>
+              <a:rPr lang="en-US" sz="2400" dirty="0" err="1"/>
+              <a:t>trí</a:t>
+            </a:r>
+            <a:r>
+              <a:rPr lang="en-US" sz="2400" dirty="0"/>
+              <a:t> </a:t>
+            </a:r>
+          </a:p>
+        </p:txBody>
+      </p:sp>
+      <p:sp>
+        <p:nvSpPr>
+          <p:cNvPr id="3" name="TextBox 2">
+            <a:extLst>
+              <a:ext uri="{FF2B5EF4-FFF2-40B4-BE49-F238E27FC236}">
+                <a16:creationId xmlns:a16="http://schemas.microsoft.com/office/drawing/2014/main" id="{8C95FA00-54B0-425B-B305-19528D04B372}"/>
+              </a:ext>
+            </a:extLst>
+          </p:cNvPr>
+          <p:cNvSpPr txBox="1"/>
+          <p:nvPr/>
+        </p:nvSpPr>
+        <p:spPr>
+          <a:xfrm>
+            <a:off x="601117" y="100014"/>
+            <a:ext cx="6870199" cy="1077218"/>
+          </a:xfrm>
+          <a:prstGeom prst="rect">
+            <a:avLst/>
+          </a:prstGeom>
+          <a:noFill/>
+        </p:spPr>
+        <p:txBody>
+          <a:bodyPr wrap="square" rtlCol="0">
+            <a:spAutoFit/>
+          </a:bodyPr>
+          <a:lstStyle/>
+          <a:p>
+            <a:r>
+              <a:rPr lang="en-US" sz="3200" dirty="0" err="1">
+                <a:solidFill>
+                  <a:srgbClr val="FF0000"/>
+                </a:solidFill>
+              </a:rPr>
+              <a:t>ShiftRows</a:t>
+            </a:r>
+            <a:r>
+              <a:rPr lang="en-US" sz="3200" dirty="0">
+                <a:solidFill>
+                  <a:srgbClr val="FF0000"/>
+                </a:solidFill>
+              </a:rPr>
+              <a:t>() Transformation</a:t>
+            </a:r>
+          </a:p>
+          <a:p>
+            <a:endParaRPr lang="en-US" sz="3200" dirty="0">
+              <a:solidFill>
+                <a:srgbClr val="FF0000"/>
+              </a:solidFill>
+            </a:endParaRPr>
+          </a:p>
+        </p:txBody>
+      </p:sp>
+      <p:pic>
+        <p:nvPicPr>
+          <p:cNvPr id="6" name="Picture 5">
+            <a:extLst>
+              <a:ext uri="{FF2B5EF4-FFF2-40B4-BE49-F238E27FC236}">
+                <a16:creationId xmlns:a16="http://schemas.microsoft.com/office/drawing/2014/main" id="{3C412935-C826-471A-9750-ACC15B779743}"/>
+              </a:ext>
+            </a:extLst>
+          </p:cNvPr>
+          <p:cNvPicPr>
+            <a:picLocks noChangeAspect="1"/>
+          </p:cNvPicPr>
+          <p:nvPr/>
+        </p:nvPicPr>
+        <p:blipFill>
+          <a:blip r:embed="rId2"/>
+          <a:stretch>
+            <a:fillRect/>
+          </a:stretch>
+        </p:blipFill>
+        <p:spPr>
+          <a:xfrm>
+            <a:off x="1773855" y="2026048"/>
+            <a:ext cx="8644289" cy="3899326"/>
+          </a:xfrm>
+          <a:prstGeom prst="rect">
+            <a:avLst/>
+          </a:prstGeom>
+        </p:spPr>
+      </p:pic>
+    </p:spTree>
+    <p:extLst>
+      <p:ext uri="{BB962C8B-B14F-4D97-AF65-F5344CB8AC3E}">
+        <p14:creationId xmlns:p14="http://schemas.microsoft.com/office/powerpoint/2010/main" val="2682015030"/>
+      </p:ext>
+    </p:extLst>
+  </p:cSld>
+  <p:clrMapOvr>
+    <a:masterClrMapping/>
+  </p:clrMapOvr>
+</p:sld>
+</file>
+
+<file path=ppt/slides/slide11.xml><?xml version="1.0" encoding="utf-8"?>
+<p:sld xmlns:a="http://schemas.openxmlformats.org/drawingml/2006/main" xmlns:r="http://schemas.openxmlformats.org/officeDocument/2006/relationships" xmlns:p="http://schemas.openxmlformats.org/presentationml/2006/main">
+  <p:cSld>
+    <p:spTree>
+      <p:nvGrpSpPr>
+        <p:cNvPr id="1" name=""/>
+        <p:cNvGrpSpPr/>
+        <p:nvPr/>
+      </p:nvGrpSpPr>
+      <p:grpSpPr>
+        <a:xfrm>
+          <a:off x="0" y="0"/>
+          <a:ext cx="0" cy="0"/>
+          <a:chOff x="0" y="0"/>
+          <a:chExt cx="0" cy="0"/>
+        </a:xfrm>
+      </p:grpSpPr>
+      <p:sp>
+        <p:nvSpPr>
+          <p:cNvPr id="2" name="TextBox 1">
+            <a:extLst>
+              <a:ext uri="{FF2B5EF4-FFF2-40B4-BE49-F238E27FC236}">
                 <a16:creationId xmlns:a16="http://schemas.microsoft.com/office/drawing/2014/main" id="{B06748DB-B2F3-48F8-92DF-6ADB27396834}"/>
               </a:ext>
             </a:extLst>
@@ -7340,7 +7606,7 @@
         </p:nvSpPr>
         <p:spPr>
           <a:xfrm>
-            <a:off x="856342" y="696685"/>
+            <a:off x="732971" y="1406495"/>
             <a:ext cx="10726057" cy="1723549"/>
           </a:xfrm>
           <a:prstGeom prst="rect">
@@ -7716,7 +7982,7 @@
         </p:nvSpPr>
         <p:spPr>
           <a:xfrm>
-            <a:off x="6096000" y="3255050"/>
+            <a:off x="5972628" y="3912385"/>
             <a:ext cx="5486400" cy="1785104"/>
           </a:xfrm>
           <a:prstGeom prst="rect">
@@ -8018,7 +8284,7 @@
         </p:blipFill>
         <p:spPr>
           <a:xfrm>
-            <a:off x="1299652" y="3013139"/>
+            <a:off x="732971" y="3839855"/>
             <a:ext cx="3972479" cy="1857634"/>
           </a:xfrm>
           <a:prstGeom prst="rect">
@@ -8026,6 +8292,53 @@
           </a:prstGeom>
         </p:spPr>
       </p:pic>
+      <p:sp>
+        <p:nvSpPr>
+          <p:cNvPr id="3" name="TextBox 2">
+            <a:extLst>
+              <a:ext uri="{FF2B5EF4-FFF2-40B4-BE49-F238E27FC236}">
+                <a16:creationId xmlns:a16="http://schemas.microsoft.com/office/drawing/2014/main" id="{CCF5A458-390C-4500-BAD5-E494ADC3F2B2}"/>
+              </a:ext>
+            </a:extLst>
+          </p:cNvPr>
+          <p:cNvSpPr txBox="1"/>
+          <p:nvPr/>
+        </p:nvSpPr>
+        <p:spPr>
+          <a:xfrm>
+            <a:off x="657318" y="111910"/>
+            <a:ext cx="5257145" cy="584775"/>
+          </a:xfrm>
+          <a:prstGeom prst="rect">
+            <a:avLst/>
+          </a:prstGeom>
+          <a:noFill/>
+        </p:spPr>
+        <p:txBody>
+          <a:bodyPr wrap="none" rtlCol="0">
+            <a:spAutoFit/>
+          </a:bodyPr>
+          <a:lstStyle/>
+          <a:p>
+            <a:r>
+              <a:rPr lang="en-US" sz="3200" dirty="0" err="1">
+                <a:solidFill>
+                  <a:srgbClr val="FF0000"/>
+                </a:solidFill>
+              </a:rPr>
+              <a:t>MixColumns</a:t>
+            </a:r>
+            <a:r>
+              <a:rPr lang="en-US" sz="3200" dirty="0">
+                <a:solidFill>
+                  <a:srgbClr val="FF0000"/>
+                </a:solidFill>
+              </a:rPr>
+              <a:t>() Transformation</a:t>
+            </a:r>
+          </a:p>
+        </p:txBody>
+      </p:sp>
     </p:spTree>
     <p:extLst>
       <p:ext uri="{BB962C8B-B14F-4D97-AF65-F5344CB8AC3E}">
@@ -8039,7 +8352,7 @@
 </p:sld>
 </file>
 
-<file path=ppt/slides/slide11.xml><?xml version="1.0" encoding="utf-8"?>
+<file path=ppt/slides/slide12.xml><?xml version="1.0" encoding="utf-8"?>
 <p:sld xmlns:a="http://schemas.openxmlformats.org/drawingml/2006/main" xmlns:r="http://schemas.openxmlformats.org/officeDocument/2006/relationships" xmlns:p="http://schemas.openxmlformats.org/presentationml/2006/main">
   <p:cSld>
     <p:spTree>
@@ -8874,7 +9187,7 @@
 </p:sld>
 </file>
 
-<file path=ppt/slides/slide12.xml><?xml version="1.0" encoding="utf-8"?>
+<file path=ppt/slides/slide13.xml><?xml version="1.0" encoding="utf-8"?>
 <p:sld xmlns:a="http://schemas.openxmlformats.org/drawingml/2006/main" xmlns:r="http://schemas.openxmlformats.org/officeDocument/2006/relationships" xmlns:p="http://schemas.openxmlformats.org/presentationml/2006/main">
   <p:cSld>
     <p:spTree>
@@ -9325,7 +9638,7 @@
 </p:sld>
 </file>
 
-<file path=ppt/slides/slide13.xml><?xml version="1.0" encoding="utf-8"?>
+<file path=ppt/slides/slide14.xml><?xml version="1.0" encoding="utf-8"?>
 <p:sld xmlns:a="http://schemas.openxmlformats.org/drawingml/2006/main" xmlns:r="http://schemas.openxmlformats.org/officeDocument/2006/relationships" xmlns:p="http://schemas.openxmlformats.org/presentationml/2006/main">
   <p:cSld>
     <p:spTree>
@@ -9964,7 +10277,7 @@
 </p:sld>
 </file>
 
-<file path=ppt/slides/slide14.xml><?xml version="1.0" encoding="utf-8"?>
+<file path=ppt/slides/slide15.xml><?xml version="1.0" encoding="utf-8"?>
 <p:sld xmlns:a="http://schemas.openxmlformats.org/drawingml/2006/main" xmlns:r="http://schemas.openxmlformats.org/officeDocument/2006/relationships" xmlns:p="http://schemas.openxmlformats.org/presentationml/2006/main">
   <p:cSld>
     <p:spTree>
@@ -10757,7 +11070,7 @@
 </p:sld>
 </file>
 
-<file path=ppt/slides/slide15.xml><?xml version="1.0" encoding="utf-8"?>
+<file path=ppt/slides/slide16.xml><?xml version="1.0" encoding="utf-8"?>
 <p:sld xmlns:a="http://schemas.openxmlformats.org/drawingml/2006/main" xmlns:r="http://schemas.openxmlformats.org/officeDocument/2006/relationships" xmlns:p="http://schemas.openxmlformats.org/presentationml/2006/main">
   <p:cSld>
     <p:spTree>
@@ -11134,7 +11447,7 @@
                   <a:srgbClr val="FF0000"/>
                 </a:solidFill>
               </a:rPr>
-              <a:t>1.4.1. Electronic Codebook (ECB)z</a:t>
+              <a:t>1.4.1. Electronic Codebook (ECB)</a:t>
             </a:r>
           </a:p>
           <a:p>
@@ -11159,7 +11472,7 @@
 </p:sld>
 </file>
 
-<file path=ppt/slides/slide16.xml><?xml version="1.0" encoding="utf-8"?>
+<file path=ppt/slides/slide17.xml><?xml version="1.0" encoding="utf-8"?>
 <p:sld xmlns:a="http://schemas.openxmlformats.org/drawingml/2006/main" xmlns:r="http://schemas.openxmlformats.org/officeDocument/2006/relationships" xmlns:p="http://schemas.openxmlformats.org/presentationml/2006/main">
   <p:cSld>
     <p:spTree>
@@ -11258,7 +11571,7 @@
 </p:sld>
 </file>
 
-<file path=ppt/slides/slide17.xml><?xml version="1.0" encoding="utf-8"?>
+<file path=ppt/slides/slide18.xml><?xml version="1.0" encoding="utf-8"?>
 <p:sld xmlns:a="http://schemas.openxmlformats.org/drawingml/2006/main" xmlns:r="http://schemas.openxmlformats.org/officeDocument/2006/relationships" xmlns:p="http://schemas.openxmlformats.org/presentationml/2006/main">
   <p:cSld>
     <p:spTree>
@@ -11505,40 +11818,6 @@
           </a:p>
         </p:txBody>
       </p:sp>
-      <p:pic>
-        <p:nvPicPr>
-          <p:cNvPr id="4" name="Picture 3" descr="A screenshot of a cell phone&#10;&#10;Description generated with high confidence">
-            <a:extLst>
-              <a:ext uri="{FF2B5EF4-FFF2-40B4-BE49-F238E27FC236}">
-                <a16:creationId xmlns:a16="http://schemas.microsoft.com/office/drawing/2014/main" id="{74161B5F-BC53-4D1F-807C-A1DF1466EBC0}"/>
-              </a:ext>
-            </a:extLst>
-          </p:cNvPr>
-          <p:cNvPicPr/>
-          <p:nvPr/>
-        </p:nvPicPr>
-        <p:blipFill>
-          <a:blip r:embed="rId2">
-            <a:extLst>
-              <a:ext uri="{28A0092B-C50C-407E-A947-70E740481C1C}">
-                <a14:useLocalDpi xmlns:a14="http://schemas.microsoft.com/office/drawing/2010/main" val="0"/>
-              </a:ext>
-            </a:extLst>
-          </a:blip>
-          <a:stretch>
-            <a:fillRect/>
-          </a:stretch>
-        </p:blipFill>
-        <p:spPr>
-          <a:xfrm>
-            <a:off x="1907744" y="1828802"/>
-            <a:ext cx="8376512" cy="4665458"/>
-          </a:xfrm>
-          <a:prstGeom prst="rect">
-            <a:avLst/>
-          </a:prstGeom>
-        </p:spPr>
-      </p:pic>
       <p:sp>
         <p:nvSpPr>
           <p:cNvPr id="2" name="TextBox 1">
@@ -11585,6 +11864,36 @@
           </a:p>
         </p:txBody>
       </p:sp>
+      <p:pic>
+        <p:nvPicPr>
+          <p:cNvPr id="6" name="Picture 5">
+            <a:extLst>
+              <a:ext uri="{FF2B5EF4-FFF2-40B4-BE49-F238E27FC236}">
+                <a16:creationId xmlns:a16="http://schemas.microsoft.com/office/drawing/2014/main" id="{CA49BAE3-6F34-4FAD-8FDC-BD8CDD50C0E1}"/>
+              </a:ext>
+            </a:extLst>
+          </p:cNvPr>
+          <p:cNvPicPr>
+            <a:picLocks noChangeAspect="1"/>
+          </p:cNvPicPr>
+          <p:nvPr/>
+        </p:nvPicPr>
+        <p:blipFill>
+          <a:blip r:embed="rId2"/>
+          <a:stretch>
+            <a:fillRect/>
+          </a:stretch>
+        </p:blipFill>
+        <p:spPr>
+          <a:xfrm>
+            <a:off x="2658299" y="2136579"/>
+            <a:ext cx="6875402" cy="4555769"/>
+          </a:xfrm>
+          <a:prstGeom prst="rect">
+            <a:avLst/>
+          </a:prstGeom>
+        </p:spPr>
+      </p:pic>
     </p:spTree>
     <p:extLst>
       <p:ext uri="{BB962C8B-B14F-4D97-AF65-F5344CB8AC3E}">
@@ -11598,7 +11907,7 @@
 </p:sld>
 </file>
 
-<file path=ppt/slides/slide18.xml><?xml version="1.0" encoding="utf-8"?>
+<file path=ppt/slides/slide19.xml><?xml version="1.0" encoding="utf-8"?>
 <p:sld xmlns:a="http://schemas.openxmlformats.org/drawingml/2006/main" xmlns:r="http://schemas.openxmlformats.org/officeDocument/2006/relationships" xmlns:p="http://schemas.openxmlformats.org/presentationml/2006/main">
   <p:cSld>
     <p:spTree>
@@ -12218,211 +12527,6 @@
     <p:extLst>
       <p:ext uri="{BB962C8B-B14F-4D97-AF65-F5344CB8AC3E}">
         <p14:creationId xmlns:p14="http://schemas.microsoft.com/office/powerpoint/2010/main" val="1829515276"/>
-      </p:ext>
-    </p:extLst>
-  </p:cSld>
-  <p:clrMapOvr>
-    <a:masterClrMapping/>
-  </p:clrMapOvr>
-</p:sld>
-</file>
-
-<file path=ppt/slides/slide19.xml><?xml version="1.0" encoding="utf-8"?>
-<p:sld xmlns:a="http://schemas.openxmlformats.org/drawingml/2006/main" xmlns:r="http://schemas.openxmlformats.org/officeDocument/2006/relationships" xmlns:p="http://schemas.openxmlformats.org/presentationml/2006/main">
-  <p:cSld>
-    <p:spTree>
-      <p:nvGrpSpPr>
-        <p:cNvPr id="1" name=""/>
-        <p:cNvGrpSpPr/>
-        <p:nvPr/>
-      </p:nvGrpSpPr>
-      <p:grpSpPr>
-        <a:xfrm>
-          <a:off x="0" y="0"/>
-          <a:ext cx="0" cy="0"/>
-          <a:chOff x="0" y="0"/>
-          <a:chExt cx="0" cy="0"/>
-        </a:xfrm>
-      </p:grpSpPr>
-      <p:sp>
-        <p:nvSpPr>
-          <p:cNvPr id="2" name="TextBox 1">
-            <a:extLst>
-              <a:ext uri="{FF2B5EF4-FFF2-40B4-BE49-F238E27FC236}">
-                <a16:creationId xmlns:a16="http://schemas.microsoft.com/office/drawing/2014/main" id="{A33FB88B-40D5-468B-994E-F06D0938E98D}"/>
-              </a:ext>
-            </a:extLst>
-          </p:cNvPr>
-          <p:cNvSpPr txBox="1"/>
-          <p:nvPr/>
-        </p:nvSpPr>
-        <p:spPr>
-          <a:xfrm>
-            <a:off x="3166947" y="3136612"/>
-            <a:ext cx="7225991" cy="584775"/>
-          </a:xfrm>
-          <a:prstGeom prst="rect">
-            <a:avLst/>
-          </a:prstGeom>
-          <a:noFill/>
-        </p:spPr>
-        <p:txBody>
-          <a:bodyPr wrap="square" rtlCol="0">
-            <a:spAutoFit/>
-          </a:bodyPr>
-          <a:lstStyle/>
-          <a:p>
-            <a:r>
-              <a:rPr lang="en-US" sz="3200" dirty="0" err="1">
-                <a:solidFill>
-                  <a:srgbClr val="FF0000"/>
-                </a:solidFill>
-              </a:rPr>
-              <a:t>Cảm</a:t>
-            </a:r>
-            <a:r>
-              <a:rPr lang="en-US" sz="3200" dirty="0">
-                <a:solidFill>
-                  <a:srgbClr val="FF0000"/>
-                </a:solidFill>
-              </a:rPr>
-              <a:t> </a:t>
-            </a:r>
-            <a:r>
-              <a:rPr lang="vi-VN" sz="3200" dirty="0">
-                <a:solidFill>
-                  <a:srgbClr val="FF0000"/>
-                </a:solidFill>
-              </a:rPr>
-              <a:t>ơ</a:t>
-            </a:r>
-            <a:r>
-              <a:rPr lang="en-US" sz="3200" dirty="0">
-                <a:solidFill>
-                  <a:srgbClr val="FF0000"/>
-                </a:solidFill>
-              </a:rPr>
-              <a:t>n </a:t>
-            </a:r>
-            <a:r>
-              <a:rPr lang="en-US" sz="3200" dirty="0" err="1">
-                <a:solidFill>
-                  <a:srgbClr val="FF0000"/>
-                </a:solidFill>
-              </a:rPr>
-              <a:t>thầy</a:t>
-            </a:r>
-            <a:r>
-              <a:rPr lang="en-US" sz="3200" dirty="0">
-                <a:solidFill>
-                  <a:srgbClr val="FF0000"/>
-                </a:solidFill>
-              </a:rPr>
-              <a:t> </a:t>
-            </a:r>
-            <a:r>
-              <a:rPr lang="en-US" sz="3200" dirty="0" err="1">
-                <a:solidFill>
-                  <a:srgbClr val="FF0000"/>
-                </a:solidFill>
-              </a:rPr>
-              <a:t>và</a:t>
-            </a:r>
-            <a:r>
-              <a:rPr lang="en-US" sz="3200" dirty="0">
-                <a:solidFill>
-                  <a:srgbClr val="FF0000"/>
-                </a:solidFill>
-              </a:rPr>
-              <a:t> </a:t>
-            </a:r>
-            <a:r>
-              <a:rPr lang="en-US" sz="3200" dirty="0" err="1">
-                <a:solidFill>
-                  <a:srgbClr val="FF0000"/>
-                </a:solidFill>
-              </a:rPr>
-              <a:t>các</a:t>
-            </a:r>
-            <a:r>
-              <a:rPr lang="en-US" sz="3200" dirty="0">
-                <a:solidFill>
-                  <a:srgbClr val="FF0000"/>
-                </a:solidFill>
-              </a:rPr>
-              <a:t> </a:t>
-            </a:r>
-            <a:r>
-              <a:rPr lang="en-US" sz="3200" dirty="0" err="1">
-                <a:solidFill>
-                  <a:srgbClr val="FF0000"/>
-                </a:solidFill>
-              </a:rPr>
-              <a:t>bạn</a:t>
-            </a:r>
-            <a:r>
-              <a:rPr lang="en-US" sz="3200" dirty="0">
-                <a:solidFill>
-                  <a:srgbClr val="FF0000"/>
-                </a:solidFill>
-              </a:rPr>
-              <a:t> </a:t>
-            </a:r>
-            <a:r>
-              <a:rPr lang="en-US" sz="3200" dirty="0" err="1">
-                <a:solidFill>
-                  <a:srgbClr val="FF0000"/>
-                </a:solidFill>
-              </a:rPr>
-              <a:t>đã</a:t>
-            </a:r>
-            <a:r>
-              <a:rPr lang="en-US" sz="3200" dirty="0">
-                <a:solidFill>
-                  <a:srgbClr val="FF0000"/>
-                </a:solidFill>
-              </a:rPr>
-              <a:t> </a:t>
-            </a:r>
-            <a:r>
-              <a:rPr lang="en-US" sz="3200" dirty="0" err="1">
-                <a:solidFill>
-                  <a:srgbClr val="FF0000"/>
-                </a:solidFill>
-              </a:rPr>
-              <a:t>lắng</a:t>
-            </a:r>
-            <a:r>
-              <a:rPr lang="en-US" sz="3200" dirty="0">
-                <a:solidFill>
-                  <a:srgbClr val="FF0000"/>
-                </a:solidFill>
-              </a:rPr>
-              <a:t> </a:t>
-            </a:r>
-            <a:r>
-              <a:rPr lang="en-US" sz="3200" dirty="0" err="1">
-                <a:solidFill>
-                  <a:srgbClr val="FF0000"/>
-                </a:solidFill>
-              </a:rPr>
-              <a:t>nghe</a:t>
-            </a:r>
-            <a:r>
-              <a:rPr lang="en-US" sz="3200" dirty="0">
-                <a:solidFill>
-                  <a:srgbClr val="FF0000"/>
-                </a:solidFill>
-              </a:rPr>
-              <a:t> !</a:t>
-            </a:r>
-          </a:p>
-        </p:txBody>
-      </p:sp>
-    </p:spTree>
-    <p:extLst>
-      <p:ext uri="{BB962C8B-B14F-4D97-AF65-F5344CB8AC3E}">
-        <p14:creationId xmlns:p14="http://schemas.microsoft.com/office/powerpoint/2010/main" val="3191701823"/>
       </p:ext>
     </p:extLst>
   </p:cSld>
@@ -12811,6 +12915,211 @@
 </p:sld>
 </file>
 
+<file path=ppt/slides/slide20.xml><?xml version="1.0" encoding="utf-8"?>
+<p:sld xmlns:a="http://schemas.openxmlformats.org/drawingml/2006/main" xmlns:r="http://schemas.openxmlformats.org/officeDocument/2006/relationships" xmlns:p="http://schemas.openxmlformats.org/presentationml/2006/main">
+  <p:cSld>
+    <p:spTree>
+      <p:nvGrpSpPr>
+        <p:cNvPr id="1" name=""/>
+        <p:cNvGrpSpPr/>
+        <p:nvPr/>
+      </p:nvGrpSpPr>
+      <p:grpSpPr>
+        <a:xfrm>
+          <a:off x="0" y="0"/>
+          <a:ext cx="0" cy="0"/>
+          <a:chOff x="0" y="0"/>
+          <a:chExt cx="0" cy="0"/>
+        </a:xfrm>
+      </p:grpSpPr>
+      <p:sp>
+        <p:nvSpPr>
+          <p:cNvPr id="2" name="TextBox 1">
+            <a:extLst>
+              <a:ext uri="{FF2B5EF4-FFF2-40B4-BE49-F238E27FC236}">
+                <a16:creationId xmlns:a16="http://schemas.microsoft.com/office/drawing/2014/main" id="{A33FB88B-40D5-468B-994E-F06D0938E98D}"/>
+              </a:ext>
+            </a:extLst>
+          </p:cNvPr>
+          <p:cNvSpPr txBox="1"/>
+          <p:nvPr/>
+        </p:nvSpPr>
+        <p:spPr>
+          <a:xfrm>
+            <a:off x="3166947" y="3136612"/>
+            <a:ext cx="7225991" cy="584775"/>
+          </a:xfrm>
+          <a:prstGeom prst="rect">
+            <a:avLst/>
+          </a:prstGeom>
+          <a:noFill/>
+        </p:spPr>
+        <p:txBody>
+          <a:bodyPr wrap="square" rtlCol="0">
+            <a:spAutoFit/>
+          </a:bodyPr>
+          <a:lstStyle/>
+          <a:p>
+            <a:r>
+              <a:rPr lang="en-US" sz="3200" dirty="0" err="1">
+                <a:solidFill>
+                  <a:srgbClr val="FF0000"/>
+                </a:solidFill>
+              </a:rPr>
+              <a:t>Cảm</a:t>
+            </a:r>
+            <a:r>
+              <a:rPr lang="en-US" sz="3200" dirty="0">
+                <a:solidFill>
+                  <a:srgbClr val="FF0000"/>
+                </a:solidFill>
+              </a:rPr>
+              <a:t> </a:t>
+            </a:r>
+            <a:r>
+              <a:rPr lang="vi-VN" sz="3200" dirty="0">
+                <a:solidFill>
+                  <a:srgbClr val="FF0000"/>
+                </a:solidFill>
+              </a:rPr>
+              <a:t>ơ</a:t>
+            </a:r>
+            <a:r>
+              <a:rPr lang="en-US" sz="3200" dirty="0">
+                <a:solidFill>
+                  <a:srgbClr val="FF0000"/>
+                </a:solidFill>
+              </a:rPr>
+              <a:t>n </a:t>
+            </a:r>
+            <a:r>
+              <a:rPr lang="en-US" sz="3200" dirty="0" err="1">
+                <a:solidFill>
+                  <a:srgbClr val="FF0000"/>
+                </a:solidFill>
+              </a:rPr>
+              <a:t>thầy</a:t>
+            </a:r>
+            <a:r>
+              <a:rPr lang="en-US" sz="3200" dirty="0">
+                <a:solidFill>
+                  <a:srgbClr val="FF0000"/>
+                </a:solidFill>
+              </a:rPr>
+              <a:t> </a:t>
+            </a:r>
+            <a:r>
+              <a:rPr lang="en-US" sz="3200" dirty="0" err="1">
+                <a:solidFill>
+                  <a:srgbClr val="FF0000"/>
+                </a:solidFill>
+              </a:rPr>
+              <a:t>và</a:t>
+            </a:r>
+            <a:r>
+              <a:rPr lang="en-US" sz="3200" dirty="0">
+                <a:solidFill>
+                  <a:srgbClr val="FF0000"/>
+                </a:solidFill>
+              </a:rPr>
+              <a:t> </a:t>
+            </a:r>
+            <a:r>
+              <a:rPr lang="en-US" sz="3200" dirty="0" err="1">
+                <a:solidFill>
+                  <a:srgbClr val="FF0000"/>
+                </a:solidFill>
+              </a:rPr>
+              <a:t>các</a:t>
+            </a:r>
+            <a:r>
+              <a:rPr lang="en-US" sz="3200" dirty="0">
+                <a:solidFill>
+                  <a:srgbClr val="FF0000"/>
+                </a:solidFill>
+              </a:rPr>
+              <a:t> </a:t>
+            </a:r>
+            <a:r>
+              <a:rPr lang="en-US" sz="3200" dirty="0" err="1">
+                <a:solidFill>
+                  <a:srgbClr val="FF0000"/>
+                </a:solidFill>
+              </a:rPr>
+              <a:t>bạn</a:t>
+            </a:r>
+            <a:r>
+              <a:rPr lang="en-US" sz="3200" dirty="0">
+                <a:solidFill>
+                  <a:srgbClr val="FF0000"/>
+                </a:solidFill>
+              </a:rPr>
+              <a:t> </a:t>
+            </a:r>
+            <a:r>
+              <a:rPr lang="en-US" sz="3200" dirty="0" err="1">
+                <a:solidFill>
+                  <a:srgbClr val="FF0000"/>
+                </a:solidFill>
+              </a:rPr>
+              <a:t>đã</a:t>
+            </a:r>
+            <a:r>
+              <a:rPr lang="en-US" sz="3200" dirty="0">
+                <a:solidFill>
+                  <a:srgbClr val="FF0000"/>
+                </a:solidFill>
+              </a:rPr>
+              <a:t> </a:t>
+            </a:r>
+            <a:r>
+              <a:rPr lang="en-US" sz="3200" dirty="0" err="1">
+                <a:solidFill>
+                  <a:srgbClr val="FF0000"/>
+                </a:solidFill>
+              </a:rPr>
+              <a:t>lắng</a:t>
+            </a:r>
+            <a:r>
+              <a:rPr lang="en-US" sz="3200" dirty="0">
+                <a:solidFill>
+                  <a:srgbClr val="FF0000"/>
+                </a:solidFill>
+              </a:rPr>
+              <a:t> </a:t>
+            </a:r>
+            <a:r>
+              <a:rPr lang="en-US" sz="3200" dirty="0" err="1">
+                <a:solidFill>
+                  <a:srgbClr val="FF0000"/>
+                </a:solidFill>
+              </a:rPr>
+              <a:t>nghe</a:t>
+            </a:r>
+            <a:r>
+              <a:rPr lang="en-US" sz="3200" dirty="0">
+                <a:solidFill>
+                  <a:srgbClr val="FF0000"/>
+                </a:solidFill>
+              </a:rPr>
+              <a:t> !</a:t>
+            </a:r>
+          </a:p>
+        </p:txBody>
+      </p:sp>
+    </p:spTree>
+    <p:extLst>
+      <p:ext uri="{BB962C8B-B14F-4D97-AF65-F5344CB8AC3E}">
+        <p14:creationId xmlns:p14="http://schemas.microsoft.com/office/powerpoint/2010/main" val="3191701823"/>
+      </p:ext>
+    </p:extLst>
+  </p:cSld>
+  <p:clrMapOvr>
+    <a:masterClrMapping/>
+  </p:clrMapOvr>
+</p:sld>
+</file>
+
 <file path=ppt/slides/slide3.xml><?xml version="1.0" encoding="utf-8"?>
 <p:sld xmlns:a="http://schemas.openxmlformats.org/drawingml/2006/main" xmlns:r="http://schemas.openxmlformats.org/officeDocument/2006/relationships" xmlns:p="http://schemas.openxmlformats.org/presentationml/2006/main">
   <p:cSld>
@@ -13270,6 +13579,46 @@
             <a:r>
               <a:rPr lang="en-US" sz="2400" dirty="0" err="1"/>
               <a:t>dụng</a:t>
+            </a:r>
+            <a:r>
+              <a:rPr lang="en-US" sz="2400" dirty="0"/>
+              <a:t> </a:t>
+            </a:r>
+            <a:r>
+              <a:rPr lang="en-US" sz="2400" dirty="0" err="1"/>
+              <a:t>làm</a:t>
+            </a:r>
+            <a:r>
+              <a:rPr lang="en-US" sz="2400" dirty="0"/>
+              <a:t> </a:t>
+            </a:r>
+            <a:r>
+              <a:rPr lang="en-US" sz="2400" dirty="0" err="1"/>
+              <a:t>tiêu</a:t>
+            </a:r>
+            <a:r>
+              <a:rPr lang="en-US" sz="2400" dirty="0"/>
+              <a:t> </a:t>
+            </a:r>
+            <a:r>
+              <a:rPr lang="en-US" sz="2400" dirty="0" err="1"/>
+              <a:t>chuẩn</a:t>
+            </a:r>
+            <a:r>
+              <a:rPr lang="en-US" sz="2400" dirty="0"/>
+              <a:t> </a:t>
+            </a:r>
+            <a:r>
+              <a:rPr lang="en-US" sz="2400" dirty="0" err="1"/>
+              <a:t>mã</a:t>
+            </a:r>
+            <a:r>
+              <a:rPr lang="en-US" sz="2400" dirty="0"/>
+              <a:t> </a:t>
+            </a:r>
+            <a:r>
+              <a:rPr lang="en-US" sz="2400" dirty="0" err="1"/>
+              <a:t>hóa</a:t>
             </a:r>
             <a:endParaRPr lang="en-US" sz="2400" dirty="0"/>
           </a:p>
@@ -15847,6 +16196,158 @@
           <p:cNvPr id="3" name="TextBox 2">
             <a:extLst>
               <a:ext uri="{FF2B5EF4-FFF2-40B4-BE49-F238E27FC236}">
+                <a16:creationId xmlns:a16="http://schemas.microsoft.com/office/drawing/2014/main" id="{88786A5F-85FC-424E-B045-597CEABEF969}"/>
+              </a:ext>
+            </a:extLst>
+          </p:cNvPr>
+          <p:cNvSpPr txBox="1"/>
+          <p:nvPr/>
+        </p:nvSpPr>
+        <p:spPr>
+          <a:xfrm>
+            <a:off x="298174" y="265043"/>
+            <a:ext cx="5208105" cy="584775"/>
+          </a:xfrm>
+          <a:prstGeom prst="rect">
+            <a:avLst/>
+          </a:prstGeom>
+          <a:noFill/>
+        </p:spPr>
+        <p:txBody>
+          <a:bodyPr wrap="square" rtlCol="0">
+            <a:spAutoFit/>
+          </a:bodyPr>
+          <a:lstStyle/>
+          <a:p>
+            <a:r>
+              <a:rPr lang="en-US" sz="3200" b="1" dirty="0" err="1">
+                <a:solidFill>
+                  <a:srgbClr val="FF0000"/>
+                </a:solidFill>
+              </a:rPr>
+              <a:t>Lưu</a:t>
+            </a:r>
+            <a:r>
+              <a:rPr lang="en-US" sz="3200" b="1" dirty="0">
+                <a:solidFill>
+                  <a:srgbClr val="FF0000"/>
+                </a:solidFill>
+              </a:rPr>
+              <a:t> </a:t>
+            </a:r>
+            <a:r>
+              <a:rPr lang="en-US" sz="3200" b="1" dirty="0" err="1">
+                <a:solidFill>
+                  <a:srgbClr val="FF0000"/>
+                </a:solidFill>
+              </a:rPr>
+              <a:t>đồ</a:t>
+            </a:r>
+            <a:r>
+              <a:rPr lang="en-US" sz="3200" b="1" dirty="0">
+                <a:solidFill>
+                  <a:srgbClr val="FF0000"/>
+                </a:solidFill>
+              </a:rPr>
+              <a:t> </a:t>
+            </a:r>
+            <a:r>
+              <a:rPr lang="en-US" sz="3200" b="1" dirty="0" err="1">
+                <a:solidFill>
+                  <a:srgbClr val="FF0000"/>
+                </a:solidFill>
+              </a:rPr>
+              <a:t>tổng</a:t>
+            </a:r>
+            <a:r>
+              <a:rPr lang="en-US" sz="3200" b="1" dirty="0">
+                <a:solidFill>
+                  <a:srgbClr val="FF0000"/>
+                </a:solidFill>
+              </a:rPr>
+              <a:t> </a:t>
+            </a:r>
+            <a:r>
+              <a:rPr lang="en-US" sz="3200" b="1" dirty="0" err="1">
+                <a:solidFill>
+                  <a:srgbClr val="FF0000"/>
+                </a:solidFill>
+              </a:rPr>
+              <a:t>quan</a:t>
+            </a:r>
+            <a:endParaRPr lang="en-US" sz="3200" b="1" dirty="0">
+              <a:solidFill>
+                <a:srgbClr val="FF0000"/>
+              </a:solidFill>
+            </a:endParaRPr>
+          </a:p>
+        </p:txBody>
+      </p:sp>
+      <p:pic>
+        <p:nvPicPr>
+          <p:cNvPr id="5" name="Picture 4" descr="A screenshot of a cell phone&#10;&#10;Description generated with high confidence">
+            <a:extLst>
+              <a:ext uri="{FF2B5EF4-FFF2-40B4-BE49-F238E27FC236}">
+                <a16:creationId xmlns:a16="http://schemas.microsoft.com/office/drawing/2014/main" id="{5265F4B0-8C90-43EA-8755-7D3D32234D80}"/>
+              </a:ext>
+            </a:extLst>
+          </p:cNvPr>
+          <p:cNvPicPr>
+            <a:picLocks noChangeAspect="1"/>
+          </p:cNvPicPr>
+          <p:nvPr/>
+        </p:nvPicPr>
+        <p:blipFill>
+          <a:blip r:embed="rId2"/>
+          <a:stretch>
+            <a:fillRect/>
+          </a:stretch>
+        </p:blipFill>
+        <p:spPr>
+          <a:xfrm>
+            <a:off x="2345635" y="1358310"/>
+            <a:ext cx="7500730" cy="5234647"/>
+          </a:xfrm>
+          <a:prstGeom prst="rect">
+            <a:avLst/>
+          </a:prstGeom>
+        </p:spPr>
+      </p:pic>
+    </p:spTree>
+    <p:extLst>
+      <p:ext uri="{BB962C8B-B14F-4D97-AF65-F5344CB8AC3E}">
+        <p14:creationId xmlns:p14="http://schemas.microsoft.com/office/powerpoint/2010/main" val="3923977088"/>
+      </p:ext>
+    </p:extLst>
+  </p:cSld>
+  <p:clrMapOvr>
+    <a:masterClrMapping/>
+  </p:clrMapOvr>
+</p:sld>
+</file>
+
+<file path=ppt/slides/slide8.xml><?xml version="1.0" encoding="utf-8"?>
+<p:sld xmlns:a="http://schemas.openxmlformats.org/drawingml/2006/main" xmlns:r="http://schemas.openxmlformats.org/officeDocument/2006/relationships" xmlns:p="http://schemas.openxmlformats.org/presentationml/2006/main">
+  <p:cSld>
+    <p:spTree>
+      <p:nvGrpSpPr>
+        <p:cNvPr id="1" name=""/>
+        <p:cNvGrpSpPr/>
+        <p:nvPr/>
+      </p:nvGrpSpPr>
+      <p:grpSpPr>
+        <a:xfrm>
+          <a:off x="0" y="0"/>
+          <a:ext cx="0" cy="0"/>
+          <a:chOff x="0" y="0"/>
+          <a:chExt cx="0" cy="0"/>
+        </a:xfrm>
+      </p:grpSpPr>
+      <p:sp>
+        <p:nvSpPr>
+          <p:cNvPr id="3" name="TextBox 2">
+            <a:extLst>
+              <a:ext uri="{FF2B5EF4-FFF2-40B4-BE49-F238E27FC236}">
                 <a16:creationId xmlns:a16="http://schemas.microsoft.com/office/drawing/2014/main" id="{8069F652-5BDF-46A7-A202-59693910FEF6}"/>
               </a:ext>
             </a:extLst>
@@ -16249,7 +16750,7 @@
 </p:sld>
 </file>
 
-<file path=ppt/slides/slide8.xml><?xml version="1.0" encoding="utf-8"?>
+<file path=ppt/slides/slide9.xml><?xml version="1.0" encoding="utf-8"?>
 <p:sld xmlns:a="http://schemas.openxmlformats.org/drawingml/2006/main" xmlns:r="http://schemas.openxmlformats.org/officeDocument/2006/relationships" xmlns:p="http://schemas.openxmlformats.org/presentationml/2006/main">
   <p:cSld>
     <p:spTree>
@@ -16683,271 +17184,6 @@
     <p:extLst>
       <p:ext uri="{BB962C8B-B14F-4D97-AF65-F5344CB8AC3E}">
         <p14:creationId xmlns:p14="http://schemas.microsoft.com/office/powerpoint/2010/main" val="3034982573"/>
-      </p:ext>
-    </p:extLst>
-  </p:cSld>
-  <p:clrMapOvr>
-    <a:masterClrMapping/>
-  </p:clrMapOvr>
-</p:sld>
-</file>
-
-<file path=ppt/slides/slide9.xml><?xml version="1.0" encoding="utf-8"?>
-<p:sld xmlns:a="http://schemas.openxmlformats.org/drawingml/2006/main" xmlns:r="http://schemas.openxmlformats.org/officeDocument/2006/relationships" xmlns:p="http://schemas.openxmlformats.org/presentationml/2006/main">
-  <p:cSld>
-    <p:spTree>
-      <p:nvGrpSpPr>
-        <p:cNvPr id="1" name=""/>
-        <p:cNvGrpSpPr/>
-        <p:nvPr/>
-      </p:nvGrpSpPr>
-      <p:grpSpPr>
-        <a:xfrm>
-          <a:off x="0" y="0"/>
-          <a:ext cx="0" cy="0"/>
-          <a:chOff x="0" y="0"/>
-          <a:chExt cx="0" cy="0"/>
-        </a:xfrm>
-      </p:grpSpPr>
-      <p:sp>
-        <p:nvSpPr>
-          <p:cNvPr id="2" name="TextBox 1">
-            <a:extLst>
-              <a:ext uri="{FF2B5EF4-FFF2-40B4-BE49-F238E27FC236}">
-                <a16:creationId xmlns:a16="http://schemas.microsoft.com/office/drawing/2014/main" id="{4D9491D2-37BD-44CD-BFAA-BEBB74C1CFF6}"/>
-              </a:ext>
-            </a:extLst>
-          </p:cNvPr>
-          <p:cNvSpPr txBox="1"/>
-          <p:nvPr/>
-        </p:nvSpPr>
-        <p:spPr>
-          <a:xfrm>
-            <a:off x="601117" y="1111045"/>
-            <a:ext cx="10989766" cy="461665"/>
-          </a:xfrm>
-          <a:prstGeom prst="rect">
-            <a:avLst/>
-          </a:prstGeom>
-          <a:noFill/>
-        </p:spPr>
-        <p:txBody>
-          <a:bodyPr wrap="square" rtlCol="0">
-            <a:spAutoFit/>
-          </a:bodyPr>
-          <a:lstStyle/>
-          <a:p>
-            <a:r>
-              <a:rPr lang="en-US" sz="2400" dirty="0" err="1"/>
-              <a:t>Xoay</a:t>
-            </a:r>
-            <a:r>
-              <a:rPr lang="en-US" sz="2400" dirty="0"/>
-              <a:t> </a:t>
-            </a:r>
-            <a:r>
-              <a:rPr lang="en-US" sz="2400" dirty="0" err="1"/>
-              <a:t>vòng</a:t>
-            </a:r>
-            <a:r>
-              <a:rPr lang="en-US" sz="2400" dirty="0"/>
-              <a:t> </a:t>
-            </a:r>
-            <a:r>
-              <a:rPr lang="en-US" sz="2400" dirty="0" err="1"/>
-              <a:t>các</a:t>
-            </a:r>
-            <a:r>
-              <a:rPr lang="en-US" sz="2400" dirty="0"/>
-              <a:t> byte </a:t>
-            </a:r>
-            <a:r>
-              <a:rPr lang="en-US" sz="2400" dirty="0" err="1"/>
-              <a:t>trong</a:t>
-            </a:r>
-            <a:r>
-              <a:rPr lang="en-US" sz="2400" dirty="0"/>
-              <a:t> </a:t>
-            </a:r>
-            <a:r>
-              <a:rPr lang="en-US" sz="2400" dirty="0" err="1"/>
-              <a:t>cùng</a:t>
-            </a:r>
-            <a:r>
-              <a:rPr lang="en-US" sz="2400" dirty="0"/>
-              <a:t> </a:t>
-            </a:r>
-            <a:r>
-              <a:rPr lang="en-US" sz="2400" dirty="0" err="1"/>
-              <a:t>một</a:t>
-            </a:r>
-            <a:r>
-              <a:rPr lang="en-US" sz="2400" dirty="0"/>
-              <a:t> </a:t>
-            </a:r>
-            <a:r>
-              <a:rPr lang="en-US" sz="2400" dirty="0" err="1"/>
-              <a:t>hàng</a:t>
-            </a:r>
-            <a:r>
-              <a:rPr lang="en-US" sz="2400" dirty="0"/>
-              <a:t> </a:t>
-            </a:r>
-            <a:r>
-              <a:rPr lang="en-US" sz="2400" dirty="0" err="1"/>
-              <a:t>của</a:t>
-            </a:r>
-            <a:r>
-              <a:rPr lang="en-US" sz="2400" dirty="0"/>
-              <a:t> State, </a:t>
-            </a:r>
-            <a:r>
-              <a:rPr lang="en-US" sz="2400" dirty="0" err="1"/>
-              <a:t>trừ</a:t>
-            </a:r>
-            <a:r>
-              <a:rPr lang="en-US" sz="2400" dirty="0"/>
-              <a:t> </a:t>
-            </a:r>
-            <a:r>
-              <a:rPr lang="en-US" sz="2400" dirty="0" err="1"/>
-              <a:t>hàng</a:t>
-            </a:r>
-            <a:r>
-              <a:rPr lang="en-US" sz="2400" dirty="0"/>
-              <a:t> </a:t>
-            </a:r>
-            <a:r>
-              <a:rPr lang="en-US" sz="2400" dirty="0" err="1"/>
-              <a:t>đầu</a:t>
-            </a:r>
-            <a:r>
-              <a:rPr lang="en-US" sz="2400" dirty="0"/>
-              <a:t> </a:t>
-            </a:r>
-            <a:r>
-              <a:rPr lang="en-US" sz="2400" dirty="0" err="1"/>
-              <a:t>giữ</a:t>
-            </a:r>
-            <a:r>
-              <a:rPr lang="en-US" sz="2400" dirty="0"/>
-              <a:t> </a:t>
-            </a:r>
-            <a:r>
-              <a:rPr lang="en-US" sz="2400" dirty="0" err="1"/>
-              <a:t>nguyên</a:t>
-            </a:r>
-            <a:r>
-              <a:rPr lang="en-US" sz="2400" dirty="0"/>
-              <a:t> </a:t>
-            </a:r>
-            <a:r>
-              <a:rPr lang="en-US" sz="2400" dirty="0" err="1"/>
-              <a:t>vị</a:t>
-            </a:r>
-            <a:r>
-              <a:rPr lang="en-US" sz="2400" dirty="0"/>
-              <a:t> </a:t>
-            </a:r>
-            <a:r>
-              <a:rPr lang="en-US" sz="2400" dirty="0" err="1"/>
-              <a:t>trí</a:t>
-            </a:r>
-            <a:r>
-              <a:rPr lang="en-US" sz="2400" dirty="0"/>
-              <a:t> </a:t>
-            </a:r>
-          </a:p>
-        </p:txBody>
-      </p:sp>
-      <p:sp>
-        <p:nvSpPr>
-          <p:cNvPr id="3" name="TextBox 2">
-            <a:extLst>
-              <a:ext uri="{FF2B5EF4-FFF2-40B4-BE49-F238E27FC236}">
-                <a16:creationId xmlns:a16="http://schemas.microsoft.com/office/drawing/2014/main" id="{8C95FA00-54B0-425B-B305-19528D04B372}"/>
-              </a:ext>
-            </a:extLst>
-          </p:cNvPr>
-          <p:cNvSpPr txBox="1"/>
-          <p:nvPr/>
-        </p:nvSpPr>
-        <p:spPr>
-          <a:xfrm>
-            <a:off x="601117" y="100014"/>
-            <a:ext cx="6870199" cy="1077218"/>
-          </a:xfrm>
-          <a:prstGeom prst="rect">
-            <a:avLst/>
-          </a:prstGeom>
-          <a:noFill/>
-        </p:spPr>
-        <p:txBody>
-          <a:bodyPr wrap="square" rtlCol="0">
-            <a:spAutoFit/>
-          </a:bodyPr>
-          <a:lstStyle/>
-          <a:p>
-            <a:r>
-              <a:rPr lang="en-US" sz="3200" dirty="0" err="1">
-                <a:solidFill>
-                  <a:srgbClr val="FF0000"/>
-                </a:solidFill>
-              </a:rPr>
-              <a:t>ShiftRows</a:t>
-            </a:r>
-            <a:r>
-              <a:rPr lang="en-US" sz="3200" dirty="0">
-                <a:solidFill>
-                  <a:srgbClr val="FF0000"/>
-                </a:solidFill>
-              </a:rPr>
-              <a:t>() Transformation</a:t>
-            </a:r>
-          </a:p>
-          <a:p>
-            <a:endParaRPr lang="en-US" sz="3200" dirty="0">
-              <a:solidFill>
-                <a:srgbClr val="FF0000"/>
-              </a:solidFill>
-            </a:endParaRPr>
-          </a:p>
-        </p:txBody>
-      </p:sp>
-      <p:pic>
-        <p:nvPicPr>
-          <p:cNvPr id="6" name="Picture 5">
-            <a:extLst>
-              <a:ext uri="{FF2B5EF4-FFF2-40B4-BE49-F238E27FC236}">
-                <a16:creationId xmlns:a16="http://schemas.microsoft.com/office/drawing/2014/main" id="{3C412935-C826-471A-9750-ACC15B779743}"/>
-              </a:ext>
-            </a:extLst>
-          </p:cNvPr>
-          <p:cNvPicPr>
-            <a:picLocks noChangeAspect="1"/>
-          </p:cNvPicPr>
-          <p:nvPr/>
-        </p:nvPicPr>
-        <p:blipFill>
-          <a:blip r:embed="rId2"/>
-          <a:stretch>
-            <a:fillRect/>
-          </a:stretch>
-        </p:blipFill>
-        <p:spPr>
-          <a:xfrm>
-            <a:off x="1773855" y="2026048"/>
-            <a:ext cx="8644289" cy="3899326"/>
-          </a:xfrm>
-          <a:prstGeom prst="rect">
-            <a:avLst/>
-          </a:prstGeom>
-        </p:spPr>
-      </p:pic>
-    </p:spTree>
-    <p:extLst>
-      <p:ext uri="{BB962C8B-B14F-4D97-AF65-F5344CB8AC3E}">
-        <p14:creationId xmlns:p14="http://schemas.microsoft.com/office/powerpoint/2010/main" val="2682015030"/>
       </p:ext>
     </p:extLst>
   </p:cSld>

--- a/Slide.pptx
+++ b/Slide.pptx
@@ -5,29 +5,30 @@
     <p:sldMasterId id="2147483648" r:id="rId1"/>
   </p:sldMasterIdLst>
   <p:notesMasterIdLst>
-    <p:notesMasterId r:id="rId22"/>
+    <p:notesMasterId r:id="rId23"/>
   </p:notesMasterIdLst>
   <p:sldIdLst>
     <p:sldId id="256" r:id="rId2"/>
     <p:sldId id="274" r:id="rId3"/>
     <p:sldId id="257" r:id="rId4"/>
     <p:sldId id="258" r:id="rId5"/>
-    <p:sldId id="259" r:id="rId6"/>
-    <p:sldId id="260" r:id="rId7"/>
-    <p:sldId id="275" r:id="rId8"/>
-    <p:sldId id="261" r:id="rId9"/>
-    <p:sldId id="262" r:id="rId10"/>
-    <p:sldId id="263" r:id="rId11"/>
-    <p:sldId id="264" r:id="rId12"/>
-    <p:sldId id="265" r:id="rId13"/>
-    <p:sldId id="266" r:id="rId14"/>
-    <p:sldId id="267" r:id="rId15"/>
-    <p:sldId id="268" r:id="rId16"/>
-    <p:sldId id="269" r:id="rId17"/>
-    <p:sldId id="270" r:id="rId18"/>
-    <p:sldId id="271" r:id="rId19"/>
-    <p:sldId id="272" r:id="rId20"/>
-    <p:sldId id="273" r:id="rId21"/>
+    <p:sldId id="276" r:id="rId6"/>
+    <p:sldId id="259" r:id="rId7"/>
+    <p:sldId id="260" r:id="rId8"/>
+    <p:sldId id="275" r:id="rId9"/>
+    <p:sldId id="261" r:id="rId10"/>
+    <p:sldId id="262" r:id="rId11"/>
+    <p:sldId id="263" r:id="rId12"/>
+    <p:sldId id="264" r:id="rId13"/>
+    <p:sldId id="265" r:id="rId14"/>
+    <p:sldId id="266" r:id="rId15"/>
+    <p:sldId id="267" r:id="rId16"/>
+    <p:sldId id="268" r:id="rId17"/>
+    <p:sldId id="269" r:id="rId18"/>
+    <p:sldId id="270" r:id="rId19"/>
+    <p:sldId id="271" r:id="rId20"/>
+    <p:sldId id="272" r:id="rId21"/>
+    <p:sldId id="273" r:id="rId22"/>
   </p:sldIdLst>
   <p:sldSz cx="12192000" cy="6858000"/>
   <p:notesSz cx="6858000" cy="9144000"/>
@@ -216,7 +217,7 @@
           <a:p>
             <a:fld id="{E90CF2FE-EA42-4E8D-BA35-4921E21673B3}" type="datetimeFigureOut">
               <a:rPr lang="en-US" smtClean="0"/>
-              <a:t>3/27/2019</a:t>
+              <a:t>3/28/2019</a:t>
             </a:fld>
             <a:endParaRPr lang="en-US"/>
           </a:p>
@@ -654,7 +655,7 @@
           <a:p>
             <a:fld id="{48A87A34-81AB-432B-8DAE-1953F412C126}" type="datetimeFigureOut">
               <a:rPr lang="en-US" dirty="0"/>
-              <a:t>3/27/2019</a:t>
+              <a:t>3/28/2019</a:t>
             </a:fld>
             <a:endParaRPr lang="en-US" dirty="0"/>
           </a:p>
@@ -961,7 +962,7 @@
           <a:p>
             <a:fld id="{48A87A34-81AB-432B-8DAE-1953F412C126}" type="datetimeFigureOut">
               <a:rPr lang="en-US" dirty="0"/>
-              <a:t>3/27/2019</a:t>
+              <a:t>3/28/2019</a:t>
             </a:fld>
             <a:endParaRPr lang="en-US" dirty="0"/>
           </a:p>
@@ -1178,7 +1179,7 @@
           <a:p>
             <a:fld id="{48A87A34-81AB-432B-8DAE-1953F412C126}" type="datetimeFigureOut">
               <a:rPr lang="en-US" dirty="0"/>
-              <a:t>3/27/2019</a:t>
+              <a:t>3/28/2019</a:t>
             </a:fld>
             <a:endParaRPr lang="en-US" dirty="0"/>
           </a:p>
@@ -1464,7 +1465,7 @@
           <a:p>
             <a:fld id="{48A87A34-81AB-432B-8DAE-1953F412C126}" type="datetimeFigureOut">
               <a:rPr lang="en-US" dirty="0"/>
-              <a:t>3/27/2019</a:t>
+              <a:t>3/28/2019</a:t>
             </a:fld>
             <a:endParaRPr lang="en-US" dirty="0"/>
           </a:p>
@@ -1913,7 +1914,7 @@
           <a:p>
             <a:fld id="{48A87A34-81AB-432B-8DAE-1953F412C126}" type="datetimeFigureOut">
               <a:rPr lang="en-US" dirty="0"/>
-              <a:t>3/27/2019</a:t>
+              <a:t>3/28/2019</a:t>
             </a:fld>
             <a:endParaRPr lang="en-US" dirty="0"/>
           </a:p>
@@ -2484,7 +2485,7 @@
           <a:p>
             <a:fld id="{48A87A34-81AB-432B-8DAE-1953F412C126}" type="datetimeFigureOut">
               <a:rPr lang="en-US" dirty="0"/>
-              <a:t>3/27/2019</a:t>
+              <a:t>3/28/2019</a:t>
             </a:fld>
             <a:endParaRPr lang="en-US" dirty="0"/>
           </a:p>
@@ -3331,7 +3332,7 @@
           <a:p>
             <a:fld id="{48A87A34-81AB-432B-8DAE-1953F412C126}" type="datetimeFigureOut">
               <a:rPr lang="en-US" dirty="0"/>
-              <a:t>3/27/2019</a:t>
+              <a:t>3/28/2019</a:t>
             </a:fld>
             <a:endParaRPr lang="en-US" dirty="0"/>
           </a:p>
@@ -3531,7 +3532,7 @@
           <a:p>
             <a:fld id="{48A87A34-81AB-432B-8DAE-1953F412C126}" type="datetimeFigureOut">
               <a:rPr lang="en-US" dirty="0"/>
-              <a:t>3/27/2019</a:t>
+              <a:t>3/28/2019</a:t>
             </a:fld>
             <a:endParaRPr lang="en-US" dirty="0"/>
           </a:p>
@@ -3740,7 +3741,7 @@
           <a:p>
             <a:fld id="{48A87A34-81AB-432B-8DAE-1953F412C126}" type="datetimeFigureOut">
               <a:rPr lang="en-US" dirty="0"/>
-              <a:t>3/27/2019</a:t>
+              <a:t>3/28/2019</a:t>
             </a:fld>
             <a:endParaRPr lang="en-US" dirty="0"/>
           </a:p>
@@ -3940,7 +3941,7 @@
           <a:p>
             <a:fld id="{48A87A34-81AB-432B-8DAE-1953F412C126}" type="datetimeFigureOut">
               <a:rPr lang="en-US" dirty="0"/>
-              <a:t>3/27/2019</a:t>
+              <a:t>3/28/2019</a:t>
             </a:fld>
             <a:endParaRPr lang="en-US" dirty="0"/>
           </a:p>
@@ -4215,7 +4216,7 @@
           <a:p>
             <a:fld id="{48A87A34-81AB-432B-8DAE-1953F412C126}" type="datetimeFigureOut">
               <a:rPr lang="en-US" dirty="0"/>
-              <a:t>3/27/2019</a:t>
+              <a:t>3/28/2019</a:t>
             </a:fld>
             <a:endParaRPr lang="en-US" dirty="0"/>
           </a:p>
@@ -4477,7 +4478,7 @@
           <a:p>
             <a:fld id="{48A87A34-81AB-432B-8DAE-1953F412C126}" type="datetimeFigureOut">
               <a:rPr lang="en-US" dirty="0"/>
-              <a:t>3/27/2019</a:t>
+              <a:t>3/28/2019</a:t>
             </a:fld>
             <a:endParaRPr lang="en-US" dirty="0"/>
           </a:p>
@@ -4887,7 +4888,7 @@
           <a:p>
             <a:fld id="{48A87A34-81AB-432B-8DAE-1953F412C126}" type="datetimeFigureOut">
               <a:rPr lang="en-US" dirty="0"/>
-              <a:t>3/27/2019</a:t>
+              <a:t>3/28/2019</a:t>
             </a:fld>
             <a:endParaRPr lang="en-US" dirty="0"/>
           </a:p>
@@ -5030,7 +5031,7 @@
           <a:p>
             <a:fld id="{48A87A34-81AB-432B-8DAE-1953F412C126}" type="datetimeFigureOut">
               <a:rPr lang="en-US" dirty="0"/>
-              <a:t>3/27/2019</a:t>
+              <a:t>3/28/2019</a:t>
             </a:fld>
             <a:endParaRPr lang="en-US" dirty="0"/>
           </a:p>
@@ -5150,7 +5151,7 @@
           <a:p>
             <a:fld id="{48A87A34-81AB-432B-8DAE-1953F412C126}" type="datetimeFigureOut">
               <a:rPr lang="en-US" dirty="0"/>
-              <a:t>3/27/2019</a:t>
+              <a:t>3/28/2019</a:t>
             </a:fld>
             <a:endParaRPr lang="en-US" dirty="0"/>
           </a:p>
@@ -5424,7 +5425,7 @@
           <a:p>
             <a:fld id="{48A87A34-81AB-432B-8DAE-1953F412C126}" type="datetimeFigureOut">
               <a:rPr lang="en-US" dirty="0"/>
-              <a:t>3/27/2019</a:t>
+              <a:t>3/28/2019</a:t>
             </a:fld>
             <a:endParaRPr lang="en-US" dirty="0"/>
           </a:p>
@@ -5731,7 +5732,7 @@
           <a:p>
             <a:fld id="{48A87A34-81AB-432B-8DAE-1953F412C126}" type="datetimeFigureOut">
               <a:rPr lang="en-US" dirty="0"/>
-              <a:t>3/27/2019</a:t>
+              <a:t>3/28/2019</a:t>
             </a:fld>
             <a:endParaRPr lang="en-US" dirty="0"/>
           </a:p>
@@ -5980,7 +5981,7 @@
             <a:fld id="{48A87A34-81AB-432B-8DAE-1953F412C126}" type="datetimeFigureOut">
               <a:rPr lang="en-US" dirty="0"/>
               <a:pPr/>
-              <a:t>3/27/2019</a:t>
+              <a:t>3/28/2019</a:t>
             </a:fld>
             <a:endParaRPr lang="en-US" dirty="0"/>
           </a:p>
@@ -7332,6 +7333,449 @@
           <p:cNvPr id="2" name="TextBox 1">
             <a:extLst>
               <a:ext uri="{FF2B5EF4-FFF2-40B4-BE49-F238E27FC236}">
+                <a16:creationId xmlns:a16="http://schemas.microsoft.com/office/drawing/2014/main" id="{3399CDD6-BDF9-4DC6-BDC9-2ACAC7D8E6EC}"/>
+              </a:ext>
+            </a:extLst>
+          </p:cNvPr>
+          <p:cNvSpPr txBox="1"/>
+          <p:nvPr/>
+        </p:nvSpPr>
+        <p:spPr>
+          <a:xfrm>
+            <a:off x="775474" y="133221"/>
+            <a:ext cx="10641051" cy="2462213"/>
+          </a:xfrm>
+          <a:prstGeom prst="rect">
+            <a:avLst/>
+          </a:prstGeom>
+          <a:noFill/>
+        </p:spPr>
+        <p:txBody>
+          <a:bodyPr wrap="square" rtlCol="0">
+            <a:spAutoFit/>
+          </a:bodyPr>
+          <a:lstStyle/>
+          <a:p>
+            <a:r>
+              <a:rPr lang="en-US" sz="3200" dirty="0" err="1">
+                <a:solidFill>
+                  <a:srgbClr val="FF0000"/>
+                </a:solidFill>
+              </a:rPr>
+              <a:t>SubBytes</a:t>
+            </a:r>
+            <a:r>
+              <a:rPr lang="en-US" sz="3200" dirty="0">
+                <a:solidFill>
+                  <a:srgbClr val="FF0000"/>
+                </a:solidFill>
+              </a:rPr>
+              <a:t>() Transformation</a:t>
+            </a:r>
+          </a:p>
+          <a:p>
+            <a:endParaRPr lang="en-US" sz="3200" dirty="0">
+              <a:solidFill>
+                <a:srgbClr val="FF0000"/>
+              </a:solidFill>
+            </a:endParaRPr>
+          </a:p>
+          <a:p>
+            <a:pPr marL="342900" indent="-342900">
+              <a:buClr>
+                <a:srgbClr val="FF0000"/>
+              </a:buClr>
+              <a:buFont typeface="Arial" panose="020B0604020202020204" pitchFamily="34" charset="0"/>
+              <a:buChar char="•"/>
+            </a:pPr>
+            <a:r>
+              <a:rPr lang="en-US" sz="2400" dirty="0" err="1"/>
+              <a:t>Chuyển</a:t>
+            </a:r>
+            <a:r>
+              <a:rPr lang="en-US" sz="2400" dirty="0"/>
+              <a:t> </a:t>
+            </a:r>
+            <a:r>
+              <a:rPr lang="en-US" sz="2400" dirty="0" err="1"/>
+              <a:t>hóa</a:t>
+            </a:r>
+            <a:r>
+              <a:rPr lang="en-US" sz="2400" dirty="0"/>
+              <a:t> </a:t>
+            </a:r>
+            <a:r>
+              <a:rPr lang="en-US" sz="2400" dirty="0" err="1"/>
+              <a:t>SubBytes</a:t>
+            </a:r>
+            <a:r>
+              <a:rPr lang="en-US" sz="2400" dirty="0"/>
+              <a:t>() </a:t>
+            </a:r>
+            <a:r>
+              <a:rPr lang="en-US" sz="2400" dirty="0" err="1"/>
+              <a:t>áp</a:t>
+            </a:r>
+            <a:r>
+              <a:rPr lang="en-US" sz="2400" dirty="0"/>
+              <a:t> </a:t>
+            </a:r>
+            <a:r>
+              <a:rPr lang="en-US" sz="2400" dirty="0" err="1"/>
+              <a:t>dụng</a:t>
+            </a:r>
+            <a:r>
+              <a:rPr lang="en-US" sz="2400" dirty="0"/>
+              <a:t> </a:t>
+            </a:r>
+            <a:r>
+              <a:rPr lang="en-US" sz="2400" dirty="0" err="1"/>
+              <a:t>trên</a:t>
+            </a:r>
+            <a:r>
+              <a:rPr lang="en-US" sz="2400" dirty="0"/>
+              <a:t> </a:t>
+            </a:r>
+            <a:r>
+              <a:rPr lang="en-US" sz="2400" dirty="0" err="1"/>
+              <a:t>từng</a:t>
+            </a:r>
+            <a:r>
+              <a:rPr lang="en-US" sz="2400" dirty="0"/>
+              <a:t> byte </a:t>
+            </a:r>
+            <a:r>
+              <a:rPr lang="en-US" sz="2400" dirty="0" err="1"/>
+              <a:t>của</a:t>
+            </a:r>
+            <a:r>
+              <a:rPr lang="en-US" sz="2400" dirty="0"/>
+              <a:t> State</a:t>
+            </a:r>
+          </a:p>
+          <a:p>
+            <a:pPr marL="342900" indent="-342900">
+              <a:buClr>
+                <a:srgbClr val="FF0000"/>
+              </a:buClr>
+              <a:buFont typeface="Arial" panose="020B0604020202020204" pitchFamily="34" charset="0"/>
+              <a:buChar char="•"/>
+            </a:pPr>
+            <a:r>
+              <a:rPr lang="en-US" sz="2400" dirty="0" err="1"/>
+              <a:t>Mỗi</a:t>
+            </a:r>
+            <a:r>
+              <a:rPr lang="en-US" sz="2400" dirty="0"/>
+              <a:t> byte </a:t>
+            </a:r>
+            <a:r>
+              <a:rPr lang="en-US" sz="2400" dirty="0" err="1"/>
+              <a:t>của</a:t>
+            </a:r>
+            <a:r>
+              <a:rPr lang="en-US" sz="2400" dirty="0"/>
+              <a:t> State </a:t>
+            </a:r>
+            <a:r>
+              <a:rPr lang="en-US" sz="2400" dirty="0" err="1"/>
+              <a:t>sẽ</a:t>
+            </a:r>
+            <a:r>
+              <a:rPr lang="en-US" sz="2400" dirty="0"/>
+              <a:t> đ</a:t>
+            </a:r>
+            <a:r>
+              <a:rPr lang="vi-VN" sz="2400" dirty="0"/>
+              <a:t>ư</a:t>
+            </a:r>
+            <a:r>
+              <a:rPr lang="en-US" sz="2400" dirty="0" err="1"/>
+              <a:t>ợc</a:t>
+            </a:r>
+            <a:r>
+              <a:rPr lang="en-US" sz="2400" dirty="0"/>
+              <a:t> </a:t>
+            </a:r>
+            <a:r>
+              <a:rPr lang="en-US" sz="2400" dirty="0" err="1"/>
+              <a:t>thay</a:t>
+            </a:r>
+            <a:r>
+              <a:rPr lang="en-US" sz="2400" dirty="0"/>
+              <a:t> </a:t>
+            </a:r>
+            <a:r>
+              <a:rPr lang="en-US" sz="2400" dirty="0" err="1"/>
+              <a:t>thế</a:t>
+            </a:r>
+            <a:r>
+              <a:rPr lang="en-US" sz="2400" dirty="0"/>
+              <a:t> </a:t>
+            </a:r>
+            <a:r>
+              <a:rPr lang="en-US" sz="2400" dirty="0" err="1"/>
+              <a:t>bằng</a:t>
+            </a:r>
+            <a:r>
+              <a:rPr lang="en-US" sz="2400" dirty="0"/>
+              <a:t> </a:t>
+            </a:r>
+            <a:r>
+              <a:rPr lang="en-US" sz="2400" dirty="0" err="1"/>
+              <a:t>một</a:t>
+            </a:r>
+            <a:r>
+              <a:rPr lang="en-US" sz="2400" dirty="0"/>
+              <a:t> byte </a:t>
+            </a:r>
+            <a:r>
+              <a:rPr lang="en-US" sz="2400" dirty="0" err="1"/>
+              <a:t>khác</a:t>
+            </a:r>
+            <a:r>
+              <a:rPr lang="en-US" sz="2400" dirty="0"/>
+              <a:t>. Byte </a:t>
+            </a:r>
+            <a:r>
+              <a:rPr lang="en-US" sz="2400" dirty="0" err="1"/>
+              <a:t>thay</a:t>
+            </a:r>
+            <a:r>
+              <a:rPr lang="en-US" sz="2400" dirty="0"/>
+              <a:t> </a:t>
+            </a:r>
+            <a:r>
+              <a:rPr lang="en-US" sz="2400" dirty="0" err="1"/>
+              <a:t>thế</a:t>
+            </a:r>
+            <a:r>
+              <a:rPr lang="en-US" sz="2400" dirty="0"/>
+              <a:t> đ</a:t>
+            </a:r>
+            <a:r>
+              <a:rPr lang="vi-VN" sz="2400" dirty="0"/>
+              <a:t>ư</a:t>
+            </a:r>
+            <a:r>
+              <a:rPr lang="en-US" sz="2400" dirty="0" err="1"/>
+              <a:t>ợc</a:t>
+            </a:r>
+            <a:r>
+              <a:rPr lang="en-US" sz="2400" dirty="0"/>
+              <a:t> </a:t>
+            </a:r>
+            <a:r>
+              <a:rPr lang="en-US" sz="2400" dirty="0" err="1"/>
+              <a:t>lấy</a:t>
+            </a:r>
+            <a:r>
+              <a:rPr lang="en-US" sz="2400" dirty="0"/>
+              <a:t> </a:t>
+            </a:r>
+            <a:r>
+              <a:rPr lang="en-US" sz="2400" dirty="0" err="1"/>
+              <a:t>từ</a:t>
+            </a:r>
+            <a:r>
+              <a:rPr lang="en-US" sz="2400" dirty="0"/>
+              <a:t> S-box, </a:t>
+            </a:r>
+            <a:r>
+              <a:rPr lang="en-US" sz="2400" dirty="0" err="1"/>
+              <a:t>vị</a:t>
+            </a:r>
+            <a:r>
+              <a:rPr lang="en-US" sz="2400" dirty="0"/>
+              <a:t> </a:t>
+            </a:r>
+            <a:r>
+              <a:rPr lang="en-US" sz="2400" dirty="0" err="1"/>
+              <a:t>trí</a:t>
+            </a:r>
+            <a:r>
+              <a:rPr lang="en-US" sz="2400" dirty="0"/>
+              <a:t> </a:t>
+            </a:r>
+            <a:r>
+              <a:rPr lang="en-US" sz="2400" dirty="0" err="1"/>
+              <a:t>trong</a:t>
+            </a:r>
+            <a:r>
+              <a:rPr lang="en-US" sz="2400" dirty="0"/>
+              <a:t> </a:t>
+            </a:r>
+            <a:r>
+              <a:rPr lang="en-US" sz="2400" dirty="0" err="1"/>
+              <a:t>bảng</a:t>
+            </a:r>
+            <a:r>
+              <a:rPr lang="en-US" sz="2400" dirty="0"/>
+              <a:t> </a:t>
+            </a:r>
+            <a:r>
+              <a:rPr lang="en-US" sz="2400" dirty="0" err="1"/>
+              <a:t>phụ</a:t>
+            </a:r>
+            <a:r>
+              <a:rPr lang="en-US" sz="2400" dirty="0"/>
+              <a:t> </a:t>
+            </a:r>
+            <a:r>
+              <a:rPr lang="en-US" sz="2400" dirty="0" err="1"/>
+              <a:t>thuộc</a:t>
+            </a:r>
+            <a:r>
+              <a:rPr lang="en-US" sz="2400" dirty="0"/>
+              <a:t> </a:t>
+            </a:r>
+            <a:r>
+              <a:rPr lang="en-US" sz="2400" dirty="0" err="1"/>
+              <a:t>vào</a:t>
+            </a:r>
+            <a:r>
+              <a:rPr lang="en-US" sz="2400" dirty="0"/>
+              <a:t> </a:t>
+            </a:r>
+            <a:r>
+              <a:rPr lang="en-US" sz="2400" dirty="0" err="1"/>
+              <a:t>chính</a:t>
+            </a:r>
+            <a:r>
+              <a:rPr lang="en-US" sz="2400" dirty="0"/>
+              <a:t> </a:t>
+            </a:r>
+            <a:r>
+              <a:rPr lang="en-US" sz="2400" dirty="0" err="1"/>
+              <a:t>giá</a:t>
+            </a:r>
+            <a:r>
+              <a:rPr lang="en-US" sz="2400" dirty="0"/>
+              <a:t> </a:t>
+            </a:r>
+            <a:r>
+              <a:rPr lang="en-US" sz="2400" dirty="0" err="1"/>
+              <a:t>trị</a:t>
+            </a:r>
+            <a:r>
+              <a:rPr lang="en-US" sz="2400" dirty="0"/>
+              <a:t> </a:t>
+            </a:r>
+            <a:r>
+              <a:rPr lang="en-US" sz="2400" dirty="0" err="1"/>
+              <a:t>của</a:t>
+            </a:r>
+            <a:r>
+              <a:rPr lang="en-US" sz="2400" dirty="0"/>
+              <a:t> byte đ</a:t>
+            </a:r>
+            <a:r>
+              <a:rPr lang="vi-VN" sz="2400" dirty="0"/>
+              <a:t>ư</a:t>
+            </a:r>
+            <a:r>
+              <a:rPr lang="en-US" sz="2400" dirty="0" err="1"/>
+              <a:t>ợc</a:t>
+            </a:r>
+            <a:r>
+              <a:rPr lang="en-US" sz="2400" dirty="0"/>
+              <a:t> </a:t>
+            </a:r>
+            <a:r>
+              <a:rPr lang="en-US" sz="2400" dirty="0" err="1"/>
+              <a:t>thay</a:t>
+            </a:r>
+            <a:r>
+              <a:rPr lang="en-US" sz="2400" dirty="0"/>
+              <a:t> </a:t>
+            </a:r>
+            <a:r>
+              <a:rPr lang="en-US" sz="2400" dirty="0" err="1"/>
+              <a:t>thế</a:t>
+            </a:r>
+            <a:r>
+              <a:rPr lang="en-US" sz="2400" dirty="0"/>
+              <a:t> </a:t>
+            </a:r>
+            <a:r>
+              <a:rPr lang="en-US" sz="2400" dirty="0" err="1"/>
+              <a:t>đó</a:t>
+            </a:r>
+            <a:r>
+              <a:rPr lang="en-US" sz="2400" dirty="0"/>
+              <a:t> </a:t>
+            </a:r>
+          </a:p>
+          <a:p>
+            <a:endParaRPr lang="en-US" dirty="0"/>
+          </a:p>
+        </p:txBody>
+      </p:sp>
+      <p:pic>
+        <p:nvPicPr>
+          <p:cNvPr id="5" name="Picture 4" descr="A screenshot of a cell phone&#10;&#10;Description generated with high confidence">
+            <a:extLst>
+              <a:ext uri="{FF2B5EF4-FFF2-40B4-BE49-F238E27FC236}">
+                <a16:creationId xmlns:a16="http://schemas.microsoft.com/office/drawing/2014/main" id="{ABA473EB-BC5C-461B-BB3C-B648F1B50755}"/>
+              </a:ext>
+            </a:extLst>
+          </p:cNvPr>
+          <p:cNvPicPr>
+            <a:picLocks noChangeAspect="1"/>
+          </p:cNvPicPr>
+          <p:nvPr/>
+        </p:nvPicPr>
+        <p:blipFill>
+          <a:blip r:embed="rId2"/>
+          <a:stretch>
+            <a:fillRect/>
+          </a:stretch>
+        </p:blipFill>
+        <p:spPr>
+          <a:xfrm>
+            <a:off x="2036956" y="2404606"/>
+            <a:ext cx="8118088" cy="4151295"/>
+          </a:xfrm>
+          <a:prstGeom prst="rect">
+            <a:avLst/>
+          </a:prstGeom>
+        </p:spPr>
+      </p:pic>
+    </p:spTree>
+    <p:extLst>
+      <p:ext uri="{BB962C8B-B14F-4D97-AF65-F5344CB8AC3E}">
+        <p14:creationId xmlns:p14="http://schemas.microsoft.com/office/powerpoint/2010/main" val="3034982573"/>
+      </p:ext>
+    </p:extLst>
+  </p:cSld>
+  <p:clrMapOvr>
+    <a:masterClrMapping/>
+  </p:clrMapOvr>
+</p:sld>
+</file>
+
+<file path=ppt/slides/slide11.xml><?xml version="1.0" encoding="utf-8"?>
+<p:sld xmlns:a="http://schemas.openxmlformats.org/drawingml/2006/main" xmlns:r="http://schemas.openxmlformats.org/officeDocument/2006/relationships" xmlns:p="http://schemas.openxmlformats.org/presentationml/2006/main">
+  <p:cSld>
+    <p:spTree>
+      <p:nvGrpSpPr>
+        <p:cNvPr id="1" name=""/>
+        <p:cNvGrpSpPr/>
+        <p:nvPr/>
+      </p:nvGrpSpPr>
+      <p:grpSpPr>
+        <a:xfrm>
+          <a:off x="0" y="0"/>
+          <a:ext cx="0" cy="0"/>
+          <a:chOff x="0" y="0"/>
+          <a:chExt cx="0" cy="0"/>
+        </a:xfrm>
+      </p:grpSpPr>
+      <p:sp>
+        <p:nvSpPr>
+          <p:cNvPr id="2" name="TextBox 1">
+            <a:extLst>
+              <a:ext uri="{FF2B5EF4-FFF2-40B4-BE49-F238E27FC236}">
                 <a16:creationId xmlns:a16="http://schemas.microsoft.com/office/drawing/2014/main" id="{4D9491D2-37BD-44CD-BFAA-BEBB74C1CFF6}"/>
               </a:ext>
             </a:extLst>
@@ -7575,7 +8019,7 @@
 </p:sld>
 </file>
 
-<file path=ppt/slides/slide11.xml><?xml version="1.0" encoding="utf-8"?>
+<file path=ppt/slides/slide12.xml><?xml version="1.0" encoding="utf-8"?>
 <p:sld xmlns:a="http://schemas.openxmlformats.org/drawingml/2006/main" xmlns:r="http://schemas.openxmlformats.org/officeDocument/2006/relationships" xmlns:p="http://schemas.openxmlformats.org/presentationml/2006/main">
   <p:cSld>
     <p:spTree>
@@ -8352,7 +8796,7 @@
 </p:sld>
 </file>
 
-<file path=ppt/slides/slide12.xml><?xml version="1.0" encoding="utf-8"?>
+<file path=ppt/slides/slide13.xml><?xml version="1.0" encoding="utf-8"?>
 <p:sld xmlns:a="http://schemas.openxmlformats.org/drawingml/2006/main" xmlns:r="http://schemas.openxmlformats.org/officeDocument/2006/relationships" xmlns:p="http://schemas.openxmlformats.org/presentationml/2006/main">
   <p:cSld>
     <p:spTree>
@@ -8731,7 +9175,21 @@
                 <a:latin typeface="Courier New" panose="02070309020205020404" pitchFamily="49" charset="0"/>
                 <a:cs typeface="Courier New" panose="02070309020205020404" pitchFamily="49" charset="0"/>
               </a:rPr>
-              <a:t>], key[4*i+1], key[4*i+2], 	key[4*i+3])</a:t>
+              <a:t>], key[4*i+1], key[4*i+2</a:t>
+            </a:r>
+            <a:r>
+              <a:rPr lang="en-US" sz="1700" i="1">
+                <a:latin typeface="Courier New" panose="02070309020205020404" pitchFamily="49" charset="0"/>
+                <a:cs typeface="Courier New" panose="02070309020205020404" pitchFamily="49" charset="0"/>
+              </a:rPr>
+              <a:t>], key</a:t>
+            </a:r>
+            <a:r>
+              <a:rPr lang="en-US" sz="1700" i="1" dirty="0">
+                <a:latin typeface="Courier New" panose="02070309020205020404" pitchFamily="49" charset="0"/>
+                <a:cs typeface="Courier New" panose="02070309020205020404" pitchFamily="49" charset="0"/>
+              </a:rPr>
+              <a:t>[4*i+3])</a:t>
             </a:r>
           </a:p>
           <a:p>
@@ -9187,7 +9645,7 @@
 </p:sld>
 </file>
 
-<file path=ppt/slides/slide13.xml><?xml version="1.0" encoding="utf-8"?>
+<file path=ppt/slides/slide14.xml><?xml version="1.0" encoding="utf-8"?>
 <p:sld xmlns:a="http://schemas.openxmlformats.org/drawingml/2006/main" xmlns:r="http://schemas.openxmlformats.org/officeDocument/2006/relationships" xmlns:p="http://schemas.openxmlformats.org/presentationml/2006/main">
   <p:cSld>
     <p:spTree>
@@ -9638,7 +10096,7 @@
 </p:sld>
 </file>
 
-<file path=ppt/slides/slide14.xml><?xml version="1.0" encoding="utf-8"?>
+<file path=ppt/slides/slide15.xml><?xml version="1.0" encoding="utf-8"?>
 <p:sld xmlns:a="http://schemas.openxmlformats.org/drawingml/2006/main" xmlns:r="http://schemas.openxmlformats.org/officeDocument/2006/relationships" xmlns:p="http://schemas.openxmlformats.org/presentationml/2006/main">
   <p:cSld>
     <p:spTree>
@@ -10277,7 +10735,7 @@
 </p:sld>
 </file>
 
-<file path=ppt/slides/slide15.xml><?xml version="1.0" encoding="utf-8"?>
+<file path=ppt/slides/slide16.xml><?xml version="1.0" encoding="utf-8"?>
 <p:sld xmlns:a="http://schemas.openxmlformats.org/drawingml/2006/main" xmlns:r="http://schemas.openxmlformats.org/officeDocument/2006/relationships" xmlns:p="http://schemas.openxmlformats.org/presentationml/2006/main">
   <p:cSld>
     <p:spTree>
@@ -11070,7 +11528,7 @@
 </p:sld>
 </file>
 
-<file path=ppt/slides/slide16.xml><?xml version="1.0" encoding="utf-8"?>
+<file path=ppt/slides/slide17.xml><?xml version="1.0" encoding="utf-8"?>
 <p:sld xmlns:a="http://schemas.openxmlformats.org/drawingml/2006/main" xmlns:r="http://schemas.openxmlformats.org/officeDocument/2006/relationships" xmlns:p="http://schemas.openxmlformats.org/presentationml/2006/main">
   <p:cSld>
     <p:spTree>
@@ -11472,7 +11930,7 @@
 </p:sld>
 </file>
 
-<file path=ppt/slides/slide17.xml><?xml version="1.0" encoding="utf-8"?>
+<file path=ppt/slides/slide18.xml><?xml version="1.0" encoding="utf-8"?>
 <p:sld xmlns:a="http://schemas.openxmlformats.org/drawingml/2006/main" xmlns:r="http://schemas.openxmlformats.org/officeDocument/2006/relationships" xmlns:p="http://schemas.openxmlformats.org/presentationml/2006/main">
   <p:cSld>
     <p:spTree>
@@ -11571,7 +12029,7 @@
 </p:sld>
 </file>
 
-<file path=ppt/slides/slide18.xml><?xml version="1.0" encoding="utf-8"?>
+<file path=ppt/slides/slide19.xml><?xml version="1.0" encoding="utf-8"?>
 <p:sld xmlns:a="http://schemas.openxmlformats.org/drawingml/2006/main" xmlns:r="http://schemas.openxmlformats.org/officeDocument/2006/relationships" xmlns:p="http://schemas.openxmlformats.org/presentationml/2006/main">
   <p:cSld>
     <p:spTree>
@@ -11898,635 +12356,6 @@
     <p:extLst>
       <p:ext uri="{BB962C8B-B14F-4D97-AF65-F5344CB8AC3E}">
         <p14:creationId xmlns:p14="http://schemas.microsoft.com/office/powerpoint/2010/main" val="2122787532"/>
-      </p:ext>
-    </p:extLst>
-  </p:cSld>
-  <p:clrMapOvr>
-    <a:masterClrMapping/>
-  </p:clrMapOvr>
-</p:sld>
-</file>
-
-<file path=ppt/slides/slide19.xml><?xml version="1.0" encoding="utf-8"?>
-<p:sld xmlns:a="http://schemas.openxmlformats.org/drawingml/2006/main" xmlns:r="http://schemas.openxmlformats.org/officeDocument/2006/relationships" xmlns:p="http://schemas.openxmlformats.org/presentationml/2006/main">
-  <p:cSld>
-    <p:spTree>
-      <p:nvGrpSpPr>
-        <p:cNvPr id="1" name=""/>
-        <p:cNvGrpSpPr/>
-        <p:nvPr/>
-      </p:nvGrpSpPr>
-      <p:grpSpPr>
-        <a:xfrm>
-          <a:off x="0" y="0"/>
-          <a:ext cx="0" cy="0"/>
-          <a:chOff x="0" y="0"/>
-          <a:chExt cx="0" cy="0"/>
-        </a:xfrm>
-      </p:grpSpPr>
-      <p:sp>
-        <p:nvSpPr>
-          <p:cNvPr id="2" name="TextBox 1">
-            <a:extLst>
-              <a:ext uri="{FF2B5EF4-FFF2-40B4-BE49-F238E27FC236}">
-                <a16:creationId xmlns:a16="http://schemas.microsoft.com/office/drawing/2014/main" id="{EE02DD4D-E2B5-4C17-AB0A-30318CBBA91C}"/>
-              </a:ext>
-            </a:extLst>
-          </p:cNvPr>
-          <p:cNvSpPr txBox="1"/>
-          <p:nvPr/>
-        </p:nvSpPr>
-        <p:spPr>
-          <a:xfrm>
-            <a:off x="646771" y="401443"/>
-            <a:ext cx="6779941" cy="584775"/>
-          </a:xfrm>
-          <a:prstGeom prst="rect">
-            <a:avLst/>
-          </a:prstGeom>
-          <a:noFill/>
-        </p:spPr>
-        <p:txBody>
-          <a:bodyPr wrap="square" rtlCol="0">
-            <a:spAutoFit/>
-          </a:bodyPr>
-          <a:lstStyle/>
-          <a:p>
-            <a:r>
-              <a:rPr lang="en-US" sz="3200" b="1" dirty="0">
-                <a:solidFill>
-                  <a:srgbClr val="FF0000"/>
-                </a:solidFill>
-              </a:rPr>
-              <a:t>2. Demo </a:t>
-            </a:r>
-            <a:r>
-              <a:rPr lang="en-US" sz="3200" b="1" dirty="0" err="1">
-                <a:solidFill>
-                  <a:srgbClr val="FF0000"/>
-                </a:solidFill>
-              </a:rPr>
-              <a:t>ch</a:t>
-            </a:r>
-            <a:r>
-              <a:rPr lang="vi-VN" sz="3200" b="1" dirty="0">
-                <a:solidFill>
-                  <a:srgbClr val="FF0000"/>
-                </a:solidFill>
-              </a:rPr>
-              <a:t>ư</a:t>
-            </a:r>
-            <a:r>
-              <a:rPr lang="en-US" sz="3200" b="1" dirty="0" err="1">
-                <a:solidFill>
-                  <a:srgbClr val="FF0000"/>
-                </a:solidFill>
-              </a:rPr>
-              <a:t>ơng</a:t>
-            </a:r>
-            <a:r>
-              <a:rPr lang="en-US" sz="3200" b="1" dirty="0">
-                <a:solidFill>
-                  <a:srgbClr val="FF0000"/>
-                </a:solidFill>
-              </a:rPr>
-              <a:t> </a:t>
-            </a:r>
-            <a:r>
-              <a:rPr lang="en-US" sz="3200" b="1" dirty="0" err="1">
-                <a:solidFill>
-                  <a:srgbClr val="FF0000"/>
-                </a:solidFill>
-              </a:rPr>
-              <a:t>trình</a:t>
-            </a:r>
-            <a:endParaRPr lang="en-US" sz="3200" b="1" dirty="0">
-              <a:solidFill>
-                <a:srgbClr val="FF0000"/>
-              </a:solidFill>
-            </a:endParaRPr>
-          </a:p>
-        </p:txBody>
-      </p:sp>
-      <p:sp>
-        <p:nvSpPr>
-          <p:cNvPr id="3" name="TextBox 2">
-            <a:extLst>
-              <a:ext uri="{FF2B5EF4-FFF2-40B4-BE49-F238E27FC236}">
-                <a16:creationId xmlns:a16="http://schemas.microsoft.com/office/drawing/2014/main" id="{A02488B1-75B3-4D95-9B5D-D6F59043AE6E}"/>
-              </a:ext>
-            </a:extLst>
-          </p:cNvPr>
-          <p:cNvSpPr txBox="1"/>
-          <p:nvPr/>
-        </p:nvSpPr>
-        <p:spPr>
-          <a:xfrm>
-            <a:off x="646771" y="1583473"/>
-            <a:ext cx="9946888" cy="2954655"/>
-          </a:xfrm>
-          <a:prstGeom prst="rect">
-            <a:avLst/>
-          </a:prstGeom>
-          <a:noFill/>
-        </p:spPr>
-        <p:txBody>
-          <a:bodyPr wrap="square" rtlCol="0">
-            <a:spAutoFit/>
-          </a:bodyPr>
-          <a:lstStyle/>
-          <a:p>
-            <a:pPr marL="285750" indent="-285750">
-              <a:buClr>
-                <a:srgbClr val="FF0000"/>
-              </a:buClr>
-              <a:buFont typeface="Arial" panose="020B0604020202020204" pitchFamily="34" charset="0"/>
-              <a:buChar char="•"/>
-            </a:pPr>
-            <a:r>
-              <a:rPr lang="en-US" sz="2400" dirty="0"/>
-              <a:t>Demo </a:t>
-            </a:r>
-            <a:r>
-              <a:rPr lang="en-US" sz="2400" dirty="0" err="1"/>
-              <a:t>thiết</a:t>
-            </a:r>
-            <a:r>
-              <a:rPr lang="en-US" sz="2400" dirty="0"/>
-              <a:t> </a:t>
-            </a:r>
-            <a:r>
-              <a:rPr lang="en-US" sz="2400" dirty="0" err="1"/>
-              <a:t>kế</a:t>
-            </a:r>
-            <a:r>
-              <a:rPr lang="en-US" sz="2400" dirty="0"/>
-              <a:t> d</a:t>
-            </a:r>
-            <a:r>
-              <a:rPr lang="vi-VN" sz="2400" dirty="0"/>
-              <a:t>ư</a:t>
-            </a:r>
-            <a:r>
-              <a:rPr lang="en-US" sz="2400" dirty="0" err="1"/>
-              <a:t>ới</a:t>
-            </a:r>
-            <a:r>
-              <a:rPr lang="en-US" sz="2400" dirty="0"/>
-              <a:t> </a:t>
-            </a:r>
-            <a:r>
-              <a:rPr lang="en-US" sz="2400" dirty="0" err="1"/>
-              <a:t>dạng</a:t>
-            </a:r>
-            <a:r>
-              <a:rPr lang="en-US" sz="2400" dirty="0"/>
-              <a:t> client - server</a:t>
-            </a:r>
-          </a:p>
-          <a:p>
-            <a:pPr marL="285750" indent="-285750">
-              <a:buClr>
-                <a:srgbClr val="FF0000"/>
-              </a:buClr>
-              <a:buFont typeface="Arial" panose="020B0604020202020204" pitchFamily="34" charset="0"/>
-              <a:buChar char="•"/>
-            </a:pPr>
-            <a:r>
-              <a:rPr lang="en-US" sz="2400" dirty="0"/>
-              <a:t>Server </a:t>
-            </a:r>
-            <a:r>
-              <a:rPr lang="en-US" sz="2400" dirty="0" err="1"/>
-              <a:t>gửi</a:t>
-            </a:r>
-            <a:r>
-              <a:rPr lang="en-US" sz="2400" dirty="0"/>
-              <a:t> </a:t>
-            </a:r>
-            <a:r>
-              <a:rPr lang="en-US" sz="2400" dirty="0" err="1"/>
-              <a:t>các</a:t>
-            </a:r>
-            <a:r>
-              <a:rPr lang="en-US" sz="2400" dirty="0"/>
-              <a:t> </a:t>
-            </a:r>
-            <a:r>
-              <a:rPr lang="en-US" sz="2400" dirty="0" err="1"/>
-              <a:t>đoạn</a:t>
-            </a:r>
-            <a:r>
-              <a:rPr lang="en-US" sz="2400" dirty="0"/>
-              <a:t> tin đ</a:t>
-            </a:r>
-            <a:r>
-              <a:rPr lang="vi-VN" sz="2400" dirty="0"/>
-              <a:t>ư</a:t>
-            </a:r>
-            <a:r>
-              <a:rPr lang="en-US" sz="2400" dirty="0" err="1"/>
-              <a:t>ợc</a:t>
-            </a:r>
-            <a:r>
-              <a:rPr lang="en-US" sz="2400" dirty="0"/>
-              <a:t> </a:t>
-            </a:r>
-            <a:r>
-              <a:rPr lang="en-US" sz="2400" dirty="0" err="1"/>
-              <a:t>mã</a:t>
-            </a:r>
-            <a:r>
-              <a:rPr lang="en-US" sz="2400" dirty="0"/>
-              <a:t> </a:t>
-            </a:r>
-            <a:r>
-              <a:rPr lang="en-US" sz="2400" dirty="0" err="1"/>
-              <a:t>hóa</a:t>
-            </a:r>
-            <a:r>
-              <a:rPr lang="en-US" sz="2400" dirty="0"/>
-              <a:t> </a:t>
-            </a:r>
-            <a:r>
-              <a:rPr lang="en-US" sz="2400" dirty="0" err="1"/>
-              <a:t>cho</a:t>
-            </a:r>
-            <a:r>
-              <a:rPr lang="en-US" sz="2400" dirty="0"/>
-              <a:t> client </a:t>
-            </a:r>
-            <a:r>
-              <a:rPr lang="en-US" sz="2400" dirty="0" err="1"/>
-              <a:t>giải</a:t>
-            </a:r>
-            <a:r>
-              <a:rPr lang="en-US" sz="2400" dirty="0"/>
-              <a:t> </a:t>
-            </a:r>
-            <a:r>
-              <a:rPr lang="en-US" sz="2400" dirty="0" err="1"/>
-              <a:t>mã</a:t>
-            </a:r>
-            <a:endParaRPr lang="en-US" sz="2400" dirty="0"/>
-          </a:p>
-          <a:p>
-            <a:pPr marL="285750" indent="-285750">
-              <a:buClr>
-                <a:srgbClr val="FF0000"/>
-              </a:buClr>
-              <a:buFont typeface="Arial" panose="020B0604020202020204" pitchFamily="34" charset="0"/>
-              <a:buChar char="•"/>
-            </a:pPr>
-            <a:r>
-              <a:rPr lang="en-US" sz="2400" dirty="0" err="1"/>
-              <a:t>Kịch</a:t>
-            </a:r>
-            <a:r>
-              <a:rPr lang="en-US" sz="2400" dirty="0"/>
-              <a:t> </a:t>
-            </a:r>
-            <a:r>
-              <a:rPr lang="en-US" sz="2400" dirty="0" err="1"/>
-              <a:t>bản</a:t>
-            </a:r>
-            <a:r>
-              <a:rPr lang="en-US" sz="2400" dirty="0"/>
-              <a:t> </a:t>
-            </a:r>
-            <a:r>
-              <a:rPr lang="en-US" sz="2400" dirty="0" err="1"/>
-              <a:t>hoạt</a:t>
-            </a:r>
-            <a:r>
-              <a:rPr lang="en-US" sz="2400" dirty="0"/>
-              <a:t> </a:t>
-            </a:r>
-            <a:r>
-              <a:rPr lang="en-US" sz="2400" dirty="0" err="1"/>
-              <a:t>động</a:t>
-            </a:r>
-            <a:r>
-              <a:rPr lang="en-US" sz="2400" dirty="0"/>
-              <a:t>:</a:t>
-            </a:r>
-          </a:p>
-          <a:p>
-            <a:pPr marL="742950" lvl="1" indent="-285750">
-              <a:buClr>
-                <a:srgbClr val="FF0000"/>
-              </a:buClr>
-              <a:buFont typeface="Arial" panose="020B0604020202020204" pitchFamily="34" charset="0"/>
-              <a:buChar char="•"/>
-            </a:pPr>
-            <a:r>
-              <a:rPr lang="en-US" sz="2400" dirty="0"/>
-              <a:t>Server </a:t>
-            </a:r>
-            <a:r>
-              <a:rPr lang="en-US" sz="2400" dirty="0" err="1"/>
-              <a:t>trao</a:t>
-            </a:r>
-            <a:r>
-              <a:rPr lang="en-US" sz="2400" dirty="0"/>
-              <a:t> </a:t>
-            </a:r>
-            <a:r>
-              <a:rPr lang="en-US" sz="2400" dirty="0" err="1"/>
-              <a:t>đổi</a:t>
-            </a:r>
-            <a:r>
-              <a:rPr lang="en-US" sz="2400" dirty="0"/>
-              <a:t> </a:t>
-            </a:r>
-            <a:r>
-              <a:rPr lang="en-US" sz="2400" dirty="0" err="1"/>
-              <a:t>bí</a:t>
-            </a:r>
-            <a:r>
-              <a:rPr lang="en-US" sz="2400" dirty="0"/>
-              <a:t> </a:t>
-            </a:r>
-            <a:r>
-              <a:rPr lang="en-US" sz="2400" dirty="0" err="1"/>
-              <a:t>mật</a:t>
-            </a:r>
-            <a:r>
-              <a:rPr lang="en-US" sz="2400" dirty="0"/>
-              <a:t> </a:t>
-            </a:r>
-            <a:r>
-              <a:rPr lang="en-US" sz="2400" dirty="0" err="1"/>
-              <a:t>chung</a:t>
-            </a:r>
-            <a:r>
-              <a:rPr lang="en-US" sz="2400" dirty="0"/>
-              <a:t> </a:t>
-            </a:r>
-            <a:r>
-              <a:rPr lang="en-US" sz="2400" dirty="0" err="1"/>
-              <a:t>với</a:t>
-            </a:r>
-            <a:r>
-              <a:rPr lang="en-US" sz="2400" dirty="0"/>
-              <a:t> client </a:t>
-            </a:r>
-            <a:r>
-              <a:rPr lang="en-US" sz="2400" dirty="0" err="1"/>
-              <a:t>bằng</a:t>
-            </a:r>
-            <a:r>
-              <a:rPr lang="en-US" sz="2400" dirty="0"/>
-              <a:t> </a:t>
-            </a:r>
-            <a:r>
-              <a:rPr lang="en-US" sz="2400" dirty="0" err="1"/>
-              <a:t>phương</a:t>
-            </a:r>
-            <a:r>
-              <a:rPr lang="en-US" sz="2400" dirty="0"/>
-              <a:t> </a:t>
-            </a:r>
-            <a:r>
-              <a:rPr lang="en-US" sz="2400" dirty="0" err="1"/>
-              <a:t>thức</a:t>
-            </a:r>
-            <a:r>
-              <a:rPr lang="en-US" sz="2400" dirty="0"/>
-              <a:t> Diffie-Hellman</a:t>
-            </a:r>
-          </a:p>
-          <a:p>
-            <a:pPr marL="742950" lvl="1" indent="-285750">
-              <a:buClr>
-                <a:srgbClr val="FF0000"/>
-              </a:buClr>
-              <a:buFont typeface="Arial" panose="020B0604020202020204" pitchFamily="34" charset="0"/>
-              <a:buChar char="•"/>
-            </a:pPr>
-            <a:r>
-              <a:rPr lang="en-US" sz="2400" dirty="0"/>
-              <a:t>Server </a:t>
-            </a:r>
-            <a:r>
-              <a:rPr lang="en-US" sz="2400" dirty="0" err="1"/>
-              <a:t>và</a:t>
-            </a:r>
-            <a:r>
-              <a:rPr lang="en-US" sz="2400" dirty="0"/>
-              <a:t> client </a:t>
-            </a:r>
-            <a:r>
-              <a:rPr lang="en-US" sz="2400" dirty="0" err="1"/>
-              <a:t>cùng</a:t>
-            </a:r>
-            <a:r>
-              <a:rPr lang="en-US" sz="2400" dirty="0"/>
-              <a:t> </a:t>
-            </a:r>
-            <a:r>
-              <a:rPr lang="en-US" sz="2400" dirty="0" err="1"/>
-              <a:t>băm</a:t>
-            </a:r>
-            <a:r>
-              <a:rPr lang="en-US" sz="2400" dirty="0"/>
-              <a:t> MD5 </a:t>
-            </a:r>
-            <a:r>
-              <a:rPr lang="en-US" sz="2400" dirty="0" err="1"/>
-              <a:t>bí</a:t>
-            </a:r>
-            <a:r>
-              <a:rPr lang="en-US" sz="2400" dirty="0"/>
-              <a:t> </a:t>
-            </a:r>
-            <a:r>
-              <a:rPr lang="en-US" sz="2400" dirty="0" err="1"/>
-              <a:t>mật</a:t>
-            </a:r>
-            <a:r>
-              <a:rPr lang="en-US" sz="2400" dirty="0"/>
-              <a:t> </a:t>
-            </a:r>
-            <a:r>
-              <a:rPr lang="en-US" sz="2400" dirty="0" err="1"/>
-              <a:t>chung</a:t>
-            </a:r>
-            <a:r>
-              <a:rPr lang="en-US" sz="2400" dirty="0"/>
-              <a:t> </a:t>
-            </a:r>
-            <a:r>
-              <a:rPr lang="en-US" sz="2400" dirty="0" err="1"/>
-              <a:t>để</a:t>
-            </a:r>
-            <a:r>
-              <a:rPr lang="en-US" sz="2400" dirty="0"/>
-              <a:t> </a:t>
-            </a:r>
-            <a:r>
-              <a:rPr lang="en-US" sz="2400" dirty="0" err="1"/>
-              <a:t>tạo</a:t>
-            </a:r>
-            <a:r>
-              <a:rPr lang="en-US" sz="2400" dirty="0"/>
-              <a:t> </a:t>
-            </a:r>
-            <a:r>
-              <a:rPr lang="en-US" sz="2400" dirty="0" err="1"/>
-              <a:t>khóa</a:t>
-            </a:r>
-            <a:r>
-              <a:rPr lang="en-US" sz="2400" dirty="0"/>
-              <a:t> 128-bit </a:t>
-            </a:r>
-            <a:r>
-              <a:rPr lang="en-US" sz="2400" dirty="0" err="1"/>
-              <a:t>phục</a:t>
-            </a:r>
-            <a:r>
-              <a:rPr lang="en-US" sz="2400" dirty="0"/>
-              <a:t> </a:t>
-            </a:r>
-            <a:r>
-              <a:rPr lang="en-US" sz="2400" dirty="0" err="1"/>
-              <a:t>vụ</a:t>
-            </a:r>
-            <a:r>
-              <a:rPr lang="en-US" sz="2400" dirty="0"/>
-              <a:t> </a:t>
-            </a:r>
-            <a:r>
-              <a:rPr lang="en-US" sz="2400" dirty="0" err="1"/>
-              <a:t>mã</a:t>
-            </a:r>
-            <a:r>
-              <a:rPr lang="en-US" sz="2400" dirty="0"/>
-              <a:t> </a:t>
-            </a:r>
-            <a:r>
-              <a:rPr lang="en-US" sz="2400" dirty="0" err="1"/>
-              <a:t>khóa</a:t>
-            </a:r>
-            <a:r>
-              <a:rPr lang="en-US" sz="2400" dirty="0"/>
-              <a:t>/</a:t>
-            </a:r>
-            <a:r>
-              <a:rPr lang="en-US" sz="2400" dirty="0" err="1"/>
-              <a:t>giải</a:t>
-            </a:r>
-            <a:r>
-              <a:rPr lang="en-US" sz="2400" dirty="0"/>
-              <a:t> </a:t>
-            </a:r>
-            <a:r>
-              <a:rPr lang="en-US" sz="2400" dirty="0" err="1"/>
-              <a:t>mã</a:t>
-            </a:r>
-            <a:r>
-              <a:rPr lang="en-US" sz="2400" dirty="0"/>
-              <a:t> AES </a:t>
-            </a:r>
-          </a:p>
-          <a:p>
-            <a:pPr marL="742950" lvl="1" indent="-285750">
-              <a:buClr>
-                <a:srgbClr val="FF0000"/>
-              </a:buClr>
-              <a:buFont typeface="Arial" panose="020B0604020202020204" pitchFamily="34" charset="0"/>
-              <a:buChar char="•"/>
-            </a:pPr>
-            <a:r>
-              <a:rPr lang="en-US" sz="2400" dirty="0"/>
-              <a:t>Server </a:t>
-            </a:r>
-            <a:r>
-              <a:rPr lang="en-US" sz="2400" dirty="0" err="1"/>
-              <a:t>gửi</a:t>
-            </a:r>
-            <a:r>
-              <a:rPr lang="en-US" sz="2400" dirty="0"/>
-              <a:t> </a:t>
-            </a:r>
-            <a:r>
-              <a:rPr lang="en-US" sz="2400" dirty="0" err="1"/>
-              <a:t>các</a:t>
-            </a:r>
-            <a:r>
-              <a:rPr lang="en-US" sz="2400" dirty="0"/>
-              <a:t> </a:t>
-            </a:r>
-            <a:r>
-              <a:rPr lang="en-US" sz="2400" dirty="0" err="1"/>
-              <a:t>đoạn</a:t>
-            </a:r>
-            <a:r>
-              <a:rPr lang="en-US" sz="2400" dirty="0"/>
-              <a:t> tin </a:t>
-            </a:r>
-            <a:r>
-              <a:rPr lang="en-US" sz="2400" dirty="0" err="1"/>
-              <a:t>được</a:t>
-            </a:r>
-            <a:r>
-              <a:rPr lang="en-US" sz="2400" dirty="0"/>
-              <a:t> </a:t>
-            </a:r>
-            <a:r>
-              <a:rPr lang="en-US" sz="2400" dirty="0" err="1"/>
-              <a:t>mã</a:t>
-            </a:r>
-            <a:r>
-              <a:rPr lang="en-US" sz="2400" dirty="0"/>
-              <a:t> </a:t>
-            </a:r>
-            <a:r>
-              <a:rPr lang="en-US" sz="2400" dirty="0" err="1"/>
-              <a:t>khóa</a:t>
-            </a:r>
-            <a:r>
-              <a:rPr lang="en-US" sz="2400" dirty="0"/>
-              <a:t> AES </a:t>
-            </a:r>
-            <a:r>
-              <a:rPr lang="en-US" sz="2400" dirty="0" err="1"/>
-              <a:t>cho</a:t>
-            </a:r>
-            <a:r>
-              <a:rPr lang="en-US" sz="2400" dirty="0"/>
-              <a:t> client </a:t>
-            </a:r>
-            <a:r>
-              <a:rPr lang="en-US" sz="2400" dirty="0" err="1"/>
-              <a:t>giải</a:t>
-            </a:r>
-            <a:r>
-              <a:rPr lang="en-US" sz="2400" dirty="0"/>
-              <a:t> </a:t>
-            </a:r>
-            <a:r>
-              <a:rPr lang="en-US" sz="2400" dirty="0" err="1"/>
-              <a:t>mã</a:t>
-            </a:r>
-            <a:endParaRPr lang="en-US" sz="2400" dirty="0"/>
-          </a:p>
-          <a:p>
-            <a:pPr marL="742950" lvl="1" indent="-285750">
-              <a:buClr>
-                <a:srgbClr val="FF0000"/>
-              </a:buClr>
-              <a:buFont typeface="Arial" panose="020B0604020202020204" pitchFamily="34" charset="0"/>
-              <a:buChar char="•"/>
-            </a:pPr>
-            <a:endParaRPr lang="en-US" dirty="0"/>
-          </a:p>
-        </p:txBody>
-      </p:sp>
-    </p:spTree>
-    <p:extLst>
-      <p:ext uri="{BB962C8B-B14F-4D97-AF65-F5344CB8AC3E}">
-        <p14:creationId xmlns:p14="http://schemas.microsoft.com/office/powerpoint/2010/main" val="1829515276"/>
       </p:ext>
     </p:extLst>
   </p:cSld>
@@ -12916,6 +12745,635 @@
 </file>
 
 <file path=ppt/slides/slide20.xml><?xml version="1.0" encoding="utf-8"?>
+<p:sld xmlns:a="http://schemas.openxmlformats.org/drawingml/2006/main" xmlns:r="http://schemas.openxmlformats.org/officeDocument/2006/relationships" xmlns:p="http://schemas.openxmlformats.org/presentationml/2006/main">
+  <p:cSld>
+    <p:spTree>
+      <p:nvGrpSpPr>
+        <p:cNvPr id="1" name=""/>
+        <p:cNvGrpSpPr/>
+        <p:nvPr/>
+      </p:nvGrpSpPr>
+      <p:grpSpPr>
+        <a:xfrm>
+          <a:off x="0" y="0"/>
+          <a:ext cx="0" cy="0"/>
+          <a:chOff x="0" y="0"/>
+          <a:chExt cx="0" cy="0"/>
+        </a:xfrm>
+      </p:grpSpPr>
+      <p:sp>
+        <p:nvSpPr>
+          <p:cNvPr id="2" name="TextBox 1">
+            <a:extLst>
+              <a:ext uri="{FF2B5EF4-FFF2-40B4-BE49-F238E27FC236}">
+                <a16:creationId xmlns:a16="http://schemas.microsoft.com/office/drawing/2014/main" id="{EE02DD4D-E2B5-4C17-AB0A-30318CBBA91C}"/>
+              </a:ext>
+            </a:extLst>
+          </p:cNvPr>
+          <p:cNvSpPr txBox="1"/>
+          <p:nvPr/>
+        </p:nvSpPr>
+        <p:spPr>
+          <a:xfrm>
+            <a:off x="646771" y="401443"/>
+            <a:ext cx="6779941" cy="584775"/>
+          </a:xfrm>
+          <a:prstGeom prst="rect">
+            <a:avLst/>
+          </a:prstGeom>
+          <a:noFill/>
+        </p:spPr>
+        <p:txBody>
+          <a:bodyPr wrap="square" rtlCol="0">
+            <a:spAutoFit/>
+          </a:bodyPr>
+          <a:lstStyle/>
+          <a:p>
+            <a:r>
+              <a:rPr lang="en-US" sz="3200" b="1" dirty="0">
+                <a:solidFill>
+                  <a:srgbClr val="FF0000"/>
+                </a:solidFill>
+              </a:rPr>
+              <a:t>2. Demo </a:t>
+            </a:r>
+            <a:r>
+              <a:rPr lang="en-US" sz="3200" b="1" dirty="0" err="1">
+                <a:solidFill>
+                  <a:srgbClr val="FF0000"/>
+                </a:solidFill>
+              </a:rPr>
+              <a:t>ch</a:t>
+            </a:r>
+            <a:r>
+              <a:rPr lang="vi-VN" sz="3200" b="1" dirty="0">
+                <a:solidFill>
+                  <a:srgbClr val="FF0000"/>
+                </a:solidFill>
+              </a:rPr>
+              <a:t>ư</a:t>
+            </a:r>
+            <a:r>
+              <a:rPr lang="en-US" sz="3200" b="1" dirty="0" err="1">
+                <a:solidFill>
+                  <a:srgbClr val="FF0000"/>
+                </a:solidFill>
+              </a:rPr>
+              <a:t>ơng</a:t>
+            </a:r>
+            <a:r>
+              <a:rPr lang="en-US" sz="3200" b="1" dirty="0">
+                <a:solidFill>
+                  <a:srgbClr val="FF0000"/>
+                </a:solidFill>
+              </a:rPr>
+              <a:t> </a:t>
+            </a:r>
+            <a:r>
+              <a:rPr lang="en-US" sz="3200" b="1" dirty="0" err="1">
+                <a:solidFill>
+                  <a:srgbClr val="FF0000"/>
+                </a:solidFill>
+              </a:rPr>
+              <a:t>trình</a:t>
+            </a:r>
+            <a:endParaRPr lang="en-US" sz="3200" b="1" dirty="0">
+              <a:solidFill>
+                <a:srgbClr val="FF0000"/>
+              </a:solidFill>
+            </a:endParaRPr>
+          </a:p>
+        </p:txBody>
+      </p:sp>
+      <p:sp>
+        <p:nvSpPr>
+          <p:cNvPr id="3" name="TextBox 2">
+            <a:extLst>
+              <a:ext uri="{FF2B5EF4-FFF2-40B4-BE49-F238E27FC236}">
+                <a16:creationId xmlns:a16="http://schemas.microsoft.com/office/drawing/2014/main" id="{A02488B1-75B3-4D95-9B5D-D6F59043AE6E}"/>
+              </a:ext>
+            </a:extLst>
+          </p:cNvPr>
+          <p:cNvSpPr txBox="1"/>
+          <p:nvPr/>
+        </p:nvSpPr>
+        <p:spPr>
+          <a:xfrm>
+            <a:off x="646771" y="1583473"/>
+            <a:ext cx="9946888" cy="2954655"/>
+          </a:xfrm>
+          <a:prstGeom prst="rect">
+            <a:avLst/>
+          </a:prstGeom>
+          <a:noFill/>
+        </p:spPr>
+        <p:txBody>
+          <a:bodyPr wrap="square" rtlCol="0">
+            <a:spAutoFit/>
+          </a:bodyPr>
+          <a:lstStyle/>
+          <a:p>
+            <a:pPr marL="285750" indent="-285750">
+              <a:buClr>
+                <a:srgbClr val="FF0000"/>
+              </a:buClr>
+              <a:buFont typeface="Arial" panose="020B0604020202020204" pitchFamily="34" charset="0"/>
+              <a:buChar char="•"/>
+            </a:pPr>
+            <a:r>
+              <a:rPr lang="en-US" sz="2400" dirty="0"/>
+              <a:t>Demo </a:t>
+            </a:r>
+            <a:r>
+              <a:rPr lang="en-US" sz="2400" dirty="0" err="1"/>
+              <a:t>thiết</a:t>
+            </a:r>
+            <a:r>
+              <a:rPr lang="en-US" sz="2400" dirty="0"/>
+              <a:t> </a:t>
+            </a:r>
+            <a:r>
+              <a:rPr lang="en-US" sz="2400" dirty="0" err="1"/>
+              <a:t>kế</a:t>
+            </a:r>
+            <a:r>
+              <a:rPr lang="en-US" sz="2400" dirty="0"/>
+              <a:t> d</a:t>
+            </a:r>
+            <a:r>
+              <a:rPr lang="vi-VN" sz="2400" dirty="0"/>
+              <a:t>ư</a:t>
+            </a:r>
+            <a:r>
+              <a:rPr lang="en-US" sz="2400" dirty="0" err="1"/>
+              <a:t>ới</a:t>
+            </a:r>
+            <a:r>
+              <a:rPr lang="en-US" sz="2400" dirty="0"/>
+              <a:t> </a:t>
+            </a:r>
+            <a:r>
+              <a:rPr lang="en-US" sz="2400" dirty="0" err="1"/>
+              <a:t>dạng</a:t>
+            </a:r>
+            <a:r>
+              <a:rPr lang="en-US" sz="2400" dirty="0"/>
+              <a:t> client - server</a:t>
+            </a:r>
+          </a:p>
+          <a:p>
+            <a:pPr marL="285750" indent="-285750">
+              <a:buClr>
+                <a:srgbClr val="FF0000"/>
+              </a:buClr>
+              <a:buFont typeface="Arial" panose="020B0604020202020204" pitchFamily="34" charset="0"/>
+              <a:buChar char="•"/>
+            </a:pPr>
+            <a:r>
+              <a:rPr lang="en-US" sz="2400" dirty="0"/>
+              <a:t>Server </a:t>
+            </a:r>
+            <a:r>
+              <a:rPr lang="en-US" sz="2400" dirty="0" err="1"/>
+              <a:t>gửi</a:t>
+            </a:r>
+            <a:r>
+              <a:rPr lang="en-US" sz="2400" dirty="0"/>
+              <a:t> </a:t>
+            </a:r>
+            <a:r>
+              <a:rPr lang="en-US" sz="2400" dirty="0" err="1"/>
+              <a:t>các</a:t>
+            </a:r>
+            <a:r>
+              <a:rPr lang="en-US" sz="2400" dirty="0"/>
+              <a:t> </a:t>
+            </a:r>
+            <a:r>
+              <a:rPr lang="en-US" sz="2400" dirty="0" err="1"/>
+              <a:t>đoạn</a:t>
+            </a:r>
+            <a:r>
+              <a:rPr lang="en-US" sz="2400" dirty="0"/>
+              <a:t> tin đ</a:t>
+            </a:r>
+            <a:r>
+              <a:rPr lang="vi-VN" sz="2400" dirty="0"/>
+              <a:t>ư</a:t>
+            </a:r>
+            <a:r>
+              <a:rPr lang="en-US" sz="2400" dirty="0" err="1"/>
+              <a:t>ợc</a:t>
+            </a:r>
+            <a:r>
+              <a:rPr lang="en-US" sz="2400" dirty="0"/>
+              <a:t> </a:t>
+            </a:r>
+            <a:r>
+              <a:rPr lang="en-US" sz="2400" dirty="0" err="1"/>
+              <a:t>mã</a:t>
+            </a:r>
+            <a:r>
+              <a:rPr lang="en-US" sz="2400" dirty="0"/>
+              <a:t> </a:t>
+            </a:r>
+            <a:r>
+              <a:rPr lang="en-US" sz="2400" dirty="0" err="1"/>
+              <a:t>hóa</a:t>
+            </a:r>
+            <a:r>
+              <a:rPr lang="en-US" sz="2400" dirty="0"/>
+              <a:t> </a:t>
+            </a:r>
+            <a:r>
+              <a:rPr lang="en-US" sz="2400" dirty="0" err="1"/>
+              <a:t>cho</a:t>
+            </a:r>
+            <a:r>
+              <a:rPr lang="en-US" sz="2400" dirty="0"/>
+              <a:t> client </a:t>
+            </a:r>
+            <a:r>
+              <a:rPr lang="en-US" sz="2400" dirty="0" err="1"/>
+              <a:t>giải</a:t>
+            </a:r>
+            <a:r>
+              <a:rPr lang="en-US" sz="2400" dirty="0"/>
+              <a:t> </a:t>
+            </a:r>
+            <a:r>
+              <a:rPr lang="en-US" sz="2400" dirty="0" err="1"/>
+              <a:t>mã</a:t>
+            </a:r>
+            <a:endParaRPr lang="en-US" sz="2400" dirty="0"/>
+          </a:p>
+          <a:p>
+            <a:pPr marL="285750" indent="-285750">
+              <a:buClr>
+                <a:srgbClr val="FF0000"/>
+              </a:buClr>
+              <a:buFont typeface="Arial" panose="020B0604020202020204" pitchFamily="34" charset="0"/>
+              <a:buChar char="•"/>
+            </a:pPr>
+            <a:r>
+              <a:rPr lang="en-US" sz="2400" dirty="0" err="1"/>
+              <a:t>Kịch</a:t>
+            </a:r>
+            <a:r>
+              <a:rPr lang="en-US" sz="2400" dirty="0"/>
+              <a:t> </a:t>
+            </a:r>
+            <a:r>
+              <a:rPr lang="en-US" sz="2400" dirty="0" err="1"/>
+              <a:t>bản</a:t>
+            </a:r>
+            <a:r>
+              <a:rPr lang="en-US" sz="2400" dirty="0"/>
+              <a:t> </a:t>
+            </a:r>
+            <a:r>
+              <a:rPr lang="en-US" sz="2400" dirty="0" err="1"/>
+              <a:t>hoạt</a:t>
+            </a:r>
+            <a:r>
+              <a:rPr lang="en-US" sz="2400" dirty="0"/>
+              <a:t> </a:t>
+            </a:r>
+            <a:r>
+              <a:rPr lang="en-US" sz="2400" dirty="0" err="1"/>
+              <a:t>động</a:t>
+            </a:r>
+            <a:r>
+              <a:rPr lang="en-US" sz="2400" dirty="0"/>
+              <a:t>:</a:t>
+            </a:r>
+          </a:p>
+          <a:p>
+            <a:pPr marL="742950" lvl="1" indent="-285750">
+              <a:buClr>
+                <a:srgbClr val="FF0000"/>
+              </a:buClr>
+              <a:buFont typeface="Arial" panose="020B0604020202020204" pitchFamily="34" charset="0"/>
+              <a:buChar char="•"/>
+            </a:pPr>
+            <a:r>
+              <a:rPr lang="en-US" sz="2400" dirty="0"/>
+              <a:t>Server </a:t>
+            </a:r>
+            <a:r>
+              <a:rPr lang="en-US" sz="2400" dirty="0" err="1"/>
+              <a:t>trao</a:t>
+            </a:r>
+            <a:r>
+              <a:rPr lang="en-US" sz="2400" dirty="0"/>
+              <a:t> </a:t>
+            </a:r>
+            <a:r>
+              <a:rPr lang="en-US" sz="2400" dirty="0" err="1"/>
+              <a:t>đổi</a:t>
+            </a:r>
+            <a:r>
+              <a:rPr lang="en-US" sz="2400" dirty="0"/>
+              <a:t> </a:t>
+            </a:r>
+            <a:r>
+              <a:rPr lang="en-US" sz="2400" dirty="0" err="1"/>
+              <a:t>bí</a:t>
+            </a:r>
+            <a:r>
+              <a:rPr lang="en-US" sz="2400" dirty="0"/>
+              <a:t> </a:t>
+            </a:r>
+            <a:r>
+              <a:rPr lang="en-US" sz="2400" dirty="0" err="1"/>
+              <a:t>mật</a:t>
+            </a:r>
+            <a:r>
+              <a:rPr lang="en-US" sz="2400" dirty="0"/>
+              <a:t> </a:t>
+            </a:r>
+            <a:r>
+              <a:rPr lang="en-US" sz="2400" dirty="0" err="1"/>
+              <a:t>chung</a:t>
+            </a:r>
+            <a:r>
+              <a:rPr lang="en-US" sz="2400" dirty="0"/>
+              <a:t> </a:t>
+            </a:r>
+            <a:r>
+              <a:rPr lang="en-US" sz="2400" dirty="0" err="1"/>
+              <a:t>với</a:t>
+            </a:r>
+            <a:r>
+              <a:rPr lang="en-US" sz="2400" dirty="0"/>
+              <a:t> client </a:t>
+            </a:r>
+            <a:r>
+              <a:rPr lang="en-US" sz="2400" dirty="0" err="1"/>
+              <a:t>bằng</a:t>
+            </a:r>
+            <a:r>
+              <a:rPr lang="en-US" sz="2400" dirty="0"/>
+              <a:t> </a:t>
+            </a:r>
+            <a:r>
+              <a:rPr lang="en-US" sz="2400" dirty="0" err="1"/>
+              <a:t>phương</a:t>
+            </a:r>
+            <a:r>
+              <a:rPr lang="en-US" sz="2400" dirty="0"/>
+              <a:t> </a:t>
+            </a:r>
+            <a:r>
+              <a:rPr lang="en-US" sz="2400" dirty="0" err="1"/>
+              <a:t>thức</a:t>
+            </a:r>
+            <a:r>
+              <a:rPr lang="en-US" sz="2400" dirty="0"/>
+              <a:t> Diffie-Hellman</a:t>
+            </a:r>
+          </a:p>
+          <a:p>
+            <a:pPr marL="742950" lvl="1" indent="-285750">
+              <a:buClr>
+                <a:srgbClr val="FF0000"/>
+              </a:buClr>
+              <a:buFont typeface="Arial" panose="020B0604020202020204" pitchFamily="34" charset="0"/>
+              <a:buChar char="•"/>
+            </a:pPr>
+            <a:r>
+              <a:rPr lang="en-US" sz="2400" dirty="0"/>
+              <a:t>Server </a:t>
+            </a:r>
+            <a:r>
+              <a:rPr lang="en-US" sz="2400" dirty="0" err="1"/>
+              <a:t>và</a:t>
+            </a:r>
+            <a:r>
+              <a:rPr lang="en-US" sz="2400" dirty="0"/>
+              <a:t> client </a:t>
+            </a:r>
+            <a:r>
+              <a:rPr lang="en-US" sz="2400" dirty="0" err="1"/>
+              <a:t>cùng</a:t>
+            </a:r>
+            <a:r>
+              <a:rPr lang="en-US" sz="2400" dirty="0"/>
+              <a:t> </a:t>
+            </a:r>
+            <a:r>
+              <a:rPr lang="en-US" sz="2400" dirty="0" err="1"/>
+              <a:t>băm</a:t>
+            </a:r>
+            <a:r>
+              <a:rPr lang="en-US" sz="2400" dirty="0"/>
+              <a:t> MD5 </a:t>
+            </a:r>
+            <a:r>
+              <a:rPr lang="en-US" sz="2400" dirty="0" err="1"/>
+              <a:t>bí</a:t>
+            </a:r>
+            <a:r>
+              <a:rPr lang="en-US" sz="2400" dirty="0"/>
+              <a:t> </a:t>
+            </a:r>
+            <a:r>
+              <a:rPr lang="en-US" sz="2400" dirty="0" err="1"/>
+              <a:t>mật</a:t>
+            </a:r>
+            <a:r>
+              <a:rPr lang="en-US" sz="2400" dirty="0"/>
+              <a:t> </a:t>
+            </a:r>
+            <a:r>
+              <a:rPr lang="en-US" sz="2400" dirty="0" err="1"/>
+              <a:t>chung</a:t>
+            </a:r>
+            <a:r>
+              <a:rPr lang="en-US" sz="2400" dirty="0"/>
+              <a:t> </a:t>
+            </a:r>
+            <a:r>
+              <a:rPr lang="en-US" sz="2400" dirty="0" err="1"/>
+              <a:t>để</a:t>
+            </a:r>
+            <a:r>
+              <a:rPr lang="en-US" sz="2400" dirty="0"/>
+              <a:t> </a:t>
+            </a:r>
+            <a:r>
+              <a:rPr lang="en-US" sz="2400" dirty="0" err="1"/>
+              <a:t>tạo</a:t>
+            </a:r>
+            <a:r>
+              <a:rPr lang="en-US" sz="2400" dirty="0"/>
+              <a:t> </a:t>
+            </a:r>
+            <a:r>
+              <a:rPr lang="en-US" sz="2400" dirty="0" err="1"/>
+              <a:t>khóa</a:t>
+            </a:r>
+            <a:r>
+              <a:rPr lang="en-US" sz="2400" dirty="0"/>
+              <a:t> 128-bit </a:t>
+            </a:r>
+            <a:r>
+              <a:rPr lang="en-US" sz="2400" dirty="0" err="1"/>
+              <a:t>phục</a:t>
+            </a:r>
+            <a:r>
+              <a:rPr lang="en-US" sz="2400" dirty="0"/>
+              <a:t> </a:t>
+            </a:r>
+            <a:r>
+              <a:rPr lang="en-US" sz="2400" dirty="0" err="1"/>
+              <a:t>vụ</a:t>
+            </a:r>
+            <a:r>
+              <a:rPr lang="en-US" sz="2400" dirty="0"/>
+              <a:t> </a:t>
+            </a:r>
+            <a:r>
+              <a:rPr lang="en-US" sz="2400" dirty="0" err="1"/>
+              <a:t>mã</a:t>
+            </a:r>
+            <a:r>
+              <a:rPr lang="en-US" sz="2400" dirty="0"/>
+              <a:t> </a:t>
+            </a:r>
+            <a:r>
+              <a:rPr lang="en-US" sz="2400" dirty="0" err="1"/>
+              <a:t>khóa</a:t>
+            </a:r>
+            <a:r>
+              <a:rPr lang="en-US" sz="2400" dirty="0"/>
+              <a:t>/</a:t>
+            </a:r>
+            <a:r>
+              <a:rPr lang="en-US" sz="2400" dirty="0" err="1"/>
+              <a:t>giải</a:t>
+            </a:r>
+            <a:r>
+              <a:rPr lang="en-US" sz="2400" dirty="0"/>
+              <a:t> </a:t>
+            </a:r>
+            <a:r>
+              <a:rPr lang="en-US" sz="2400" dirty="0" err="1"/>
+              <a:t>mã</a:t>
+            </a:r>
+            <a:r>
+              <a:rPr lang="en-US" sz="2400" dirty="0"/>
+              <a:t> AES </a:t>
+            </a:r>
+          </a:p>
+          <a:p>
+            <a:pPr marL="742950" lvl="1" indent="-285750">
+              <a:buClr>
+                <a:srgbClr val="FF0000"/>
+              </a:buClr>
+              <a:buFont typeface="Arial" panose="020B0604020202020204" pitchFamily="34" charset="0"/>
+              <a:buChar char="•"/>
+            </a:pPr>
+            <a:r>
+              <a:rPr lang="en-US" sz="2400" dirty="0"/>
+              <a:t>Server </a:t>
+            </a:r>
+            <a:r>
+              <a:rPr lang="en-US" sz="2400" dirty="0" err="1"/>
+              <a:t>gửi</a:t>
+            </a:r>
+            <a:r>
+              <a:rPr lang="en-US" sz="2400" dirty="0"/>
+              <a:t> </a:t>
+            </a:r>
+            <a:r>
+              <a:rPr lang="en-US" sz="2400" dirty="0" err="1"/>
+              <a:t>các</a:t>
+            </a:r>
+            <a:r>
+              <a:rPr lang="en-US" sz="2400" dirty="0"/>
+              <a:t> </a:t>
+            </a:r>
+            <a:r>
+              <a:rPr lang="en-US" sz="2400" dirty="0" err="1"/>
+              <a:t>đoạn</a:t>
+            </a:r>
+            <a:r>
+              <a:rPr lang="en-US" sz="2400" dirty="0"/>
+              <a:t> tin </a:t>
+            </a:r>
+            <a:r>
+              <a:rPr lang="en-US" sz="2400" dirty="0" err="1"/>
+              <a:t>được</a:t>
+            </a:r>
+            <a:r>
+              <a:rPr lang="en-US" sz="2400" dirty="0"/>
+              <a:t> </a:t>
+            </a:r>
+            <a:r>
+              <a:rPr lang="en-US" sz="2400" dirty="0" err="1"/>
+              <a:t>mã</a:t>
+            </a:r>
+            <a:r>
+              <a:rPr lang="en-US" sz="2400" dirty="0"/>
+              <a:t> </a:t>
+            </a:r>
+            <a:r>
+              <a:rPr lang="en-US" sz="2400" dirty="0" err="1"/>
+              <a:t>khóa</a:t>
+            </a:r>
+            <a:r>
+              <a:rPr lang="en-US" sz="2400" dirty="0"/>
+              <a:t> AES </a:t>
+            </a:r>
+            <a:r>
+              <a:rPr lang="en-US" sz="2400" dirty="0" err="1"/>
+              <a:t>cho</a:t>
+            </a:r>
+            <a:r>
+              <a:rPr lang="en-US" sz="2400" dirty="0"/>
+              <a:t> client </a:t>
+            </a:r>
+            <a:r>
+              <a:rPr lang="en-US" sz="2400" dirty="0" err="1"/>
+              <a:t>giải</a:t>
+            </a:r>
+            <a:r>
+              <a:rPr lang="en-US" sz="2400" dirty="0"/>
+              <a:t> </a:t>
+            </a:r>
+            <a:r>
+              <a:rPr lang="en-US" sz="2400" dirty="0" err="1"/>
+              <a:t>mã</a:t>
+            </a:r>
+            <a:endParaRPr lang="en-US" sz="2400" dirty="0"/>
+          </a:p>
+          <a:p>
+            <a:pPr marL="742950" lvl="1" indent="-285750">
+              <a:buClr>
+                <a:srgbClr val="FF0000"/>
+              </a:buClr>
+              <a:buFont typeface="Arial" panose="020B0604020202020204" pitchFamily="34" charset="0"/>
+              <a:buChar char="•"/>
+            </a:pPr>
+            <a:endParaRPr lang="en-US" dirty="0"/>
+          </a:p>
+        </p:txBody>
+      </p:sp>
+    </p:spTree>
+    <p:extLst>
+      <p:ext uri="{BB962C8B-B14F-4D97-AF65-F5344CB8AC3E}">
+        <p14:creationId xmlns:p14="http://schemas.microsoft.com/office/powerpoint/2010/main" val="1829515276"/>
+      </p:ext>
+    </p:extLst>
+  </p:cSld>
+  <p:clrMapOvr>
+    <a:masterClrMapping/>
+  </p:clrMapOvr>
+</p:sld>
+</file>
+
+<file path=ppt/slides/slide21.xml><?xml version="1.0" encoding="utf-8"?>
 <p:sld xmlns:a="http://schemas.openxmlformats.org/drawingml/2006/main" xmlns:r="http://schemas.openxmlformats.org/officeDocument/2006/relationships" xmlns:p="http://schemas.openxmlformats.org/presentationml/2006/main">
   <p:cSld>
     <p:spTree>
@@ -13640,14 +14098,6 @@
             </a:r>
             <a:r>
               <a:rPr lang="en-US" sz="2400" dirty="0" err="1"/>
-              <a:t>một</a:t>
-            </a:r>
-            <a:r>
-              <a:rPr lang="en-US" sz="2400" dirty="0"/>
-              <a:t> </a:t>
-            </a:r>
-            <a:r>
-              <a:rPr lang="en-US" sz="2400" dirty="0" err="1"/>
               <a:t>thuật</a:t>
             </a:r>
             <a:r>
@@ -14498,15 +14948,15 @@
               <a:t> </a:t>
             </a:r>
             <a:r>
-              <a:rPr lang="en-US" sz="2200" i="1"/>
+              <a:rPr lang="en-US" sz="2200" i="1" dirty="0"/>
               <a:t>x</a:t>
             </a:r>
             <a:r>
-              <a:rPr lang="en-US" sz="2200" i="1" baseline="30000"/>
+              <a:rPr lang="en-US" sz="2200" i="1" baseline="30000" dirty="0"/>
               <a:t>7</a:t>
             </a:r>
             <a:r>
-              <a:rPr lang="en-US" sz="2200"/>
+              <a:rPr lang="en-US" sz="2200" dirty="0"/>
               <a:t> + </a:t>
             </a:r>
             <a:r>
@@ -14775,6 +15225,198 @@
           <p:cNvPr id="2" name="TextBox 1">
             <a:extLst>
               <a:ext uri="{FF2B5EF4-FFF2-40B4-BE49-F238E27FC236}">
+                <a16:creationId xmlns:a16="http://schemas.microsoft.com/office/drawing/2014/main" id="{5DC166BF-CD73-49C1-ADCC-4C24F542DC76}"/>
+              </a:ext>
+            </a:extLst>
+          </p:cNvPr>
+          <p:cNvSpPr txBox="1"/>
+          <p:nvPr/>
+        </p:nvSpPr>
+        <p:spPr>
+          <a:xfrm>
+            <a:off x="622852" y="209493"/>
+            <a:ext cx="5605670" cy="584775"/>
+          </a:xfrm>
+          <a:prstGeom prst="rect">
+            <a:avLst/>
+          </a:prstGeom>
+          <a:noFill/>
+        </p:spPr>
+        <p:txBody>
+          <a:bodyPr wrap="square" rtlCol="0">
+            <a:spAutoFit/>
+          </a:bodyPr>
+          <a:lstStyle/>
+          <a:p>
+            <a:r>
+              <a:rPr lang="en-US" sz="3200" dirty="0" err="1">
+                <a:solidFill>
+                  <a:srgbClr val="FF0000"/>
+                </a:solidFill>
+              </a:rPr>
+              <a:t>Chuyển</a:t>
+            </a:r>
+            <a:r>
+              <a:rPr lang="en-US" sz="3200" dirty="0">
+                <a:solidFill>
+                  <a:srgbClr val="FF0000"/>
+                </a:solidFill>
+              </a:rPr>
+              <a:t> data </a:t>
+            </a:r>
+            <a:r>
+              <a:rPr lang="en-US" sz="3200" dirty="0" err="1">
+                <a:solidFill>
+                  <a:srgbClr val="FF0000"/>
+                </a:solidFill>
+              </a:rPr>
+              <a:t>vào</a:t>
+            </a:r>
+            <a:r>
+              <a:rPr lang="en-US" sz="3200" dirty="0">
+                <a:solidFill>
+                  <a:srgbClr val="FF0000"/>
+                </a:solidFill>
+              </a:rPr>
+              <a:t> State</a:t>
+            </a:r>
+          </a:p>
+        </p:txBody>
+      </p:sp>
+      <p:sp>
+        <p:nvSpPr>
+          <p:cNvPr id="3" name="TextBox 2">
+            <a:extLst>
+              <a:ext uri="{FF2B5EF4-FFF2-40B4-BE49-F238E27FC236}">
+                <a16:creationId xmlns:a16="http://schemas.microsoft.com/office/drawing/2014/main" id="{6C7BE91D-6438-406C-B915-C411BAEE49FF}"/>
+              </a:ext>
+            </a:extLst>
+          </p:cNvPr>
+          <p:cNvSpPr txBox="1"/>
+          <p:nvPr/>
+        </p:nvSpPr>
+        <p:spPr>
+          <a:xfrm>
+            <a:off x="622852" y="993819"/>
+            <a:ext cx="5711687" cy="430887"/>
+          </a:xfrm>
+          <a:prstGeom prst="rect">
+            <a:avLst/>
+          </a:prstGeom>
+          <a:noFill/>
+        </p:spPr>
+        <p:txBody>
+          <a:bodyPr wrap="square" rtlCol="0">
+            <a:spAutoFit/>
+          </a:bodyPr>
+          <a:lstStyle/>
+          <a:p>
+            <a:r>
+              <a:rPr lang="en-US" sz="2200" dirty="0" err="1"/>
+              <a:t>Chuỗi</a:t>
+            </a:r>
+            <a:r>
+              <a:rPr lang="en-US" sz="2200" dirty="0"/>
+              <a:t> Text: Two One Nine Two</a:t>
+            </a:r>
+          </a:p>
+        </p:txBody>
+      </p:sp>
+      <p:pic>
+        <p:nvPicPr>
+          <p:cNvPr id="5" name="Picture 4">
+            <a:extLst>
+              <a:ext uri="{FF2B5EF4-FFF2-40B4-BE49-F238E27FC236}">
+                <a16:creationId xmlns:a16="http://schemas.microsoft.com/office/drawing/2014/main" id="{69C2A063-ABBF-45E0-9275-93197E0022A8}"/>
+              </a:ext>
+            </a:extLst>
+          </p:cNvPr>
+          <p:cNvPicPr>
+            <a:picLocks noChangeAspect="1"/>
+          </p:cNvPicPr>
+          <p:nvPr/>
+        </p:nvPicPr>
+        <p:blipFill>
+          <a:blip r:embed="rId2"/>
+          <a:stretch>
+            <a:fillRect/>
+          </a:stretch>
+        </p:blipFill>
+        <p:spPr>
+          <a:xfrm>
+            <a:off x="1132402" y="1930041"/>
+            <a:ext cx="9715159" cy="919176"/>
+          </a:xfrm>
+          <a:prstGeom prst="rect">
+            <a:avLst/>
+          </a:prstGeom>
+        </p:spPr>
+      </p:pic>
+      <p:pic>
+        <p:nvPicPr>
+          <p:cNvPr id="7" name="Picture 6">
+            <a:extLst>
+              <a:ext uri="{FF2B5EF4-FFF2-40B4-BE49-F238E27FC236}">
+                <a16:creationId xmlns:a16="http://schemas.microsoft.com/office/drawing/2014/main" id="{1FB9D362-C706-4337-A29A-07EEFB5F6F30}"/>
+              </a:ext>
+            </a:extLst>
+          </p:cNvPr>
+          <p:cNvPicPr>
+            <a:picLocks noChangeAspect="1"/>
+          </p:cNvPicPr>
+          <p:nvPr/>
+        </p:nvPicPr>
+        <p:blipFill>
+          <a:blip r:embed="rId3"/>
+          <a:stretch>
+            <a:fillRect/>
+          </a:stretch>
+        </p:blipFill>
+        <p:spPr>
+          <a:xfrm>
+            <a:off x="4402876" y="3429000"/>
+            <a:ext cx="3174213" cy="2927119"/>
+          </a:xfrm>
+          <a:prstGeom prst="rect">
+            <a:avLst/>
+          </a:prstGeom>
+        </p:spPr>
+      </p:pic>
+    </p:spTree>
+    <p:extLst>
+      <p:ext uri="{BB962C8B-B14F-4D97-AF65-F5344CB8AC3E}">
+        <p14:creationId xmlns:p14="http://schemas.microsoft.com/office/powerpoint/2010/main" val="1081372871"/>
+      </p:ext>
+    </p:extLst>
+  </p:cSld>
+  <p:clrMapOvr>
+    <a:masterClrMapping/>
+  </p:clrMapOvr>
+</p:sld>
+</file>
+
+<file path=ppt/slides/slide6.xml><?xml version="1.0" encoding="utf-8"?>
+<p:sld xmlns:a="http://schemas.openxmlformats.org/drawingml/2006/main" xmlns:r="http://schemas.openxmlformats.org/officeDocument/2006/relationships" xmlns:p="http://schemas.openxmlformats.org/presentationml/2006/main">
+  <p:cSld>
+    <p:spTree>
+      <p:nvGrpSpPr>
+        <p:cNvPr id="1" name=""/>
+        <p:cNvGrpSpPr/>
+        <p:nvPr/>
+      </p:nvGrpSpPr>
+      <p:grpSpPr>
+        <a:xfrm>
+          <a:off x="0" y="0"/>
+          <a:ext cx="0" cy="0"/>
+          <a:chOff x="0" y="0"/>
+          <a:chExt cx="0" cy="0"/>
+        </a:xfrm>
+      </p:grpSpPr>
+      <p:sp>
+        <p:nvSpPr>
+          <p:cNvPr id="2" name="TextBox 1">
+            <a:extLst>
+              <a:ext uri="{FF2B5EF4-FFF2-40B4-BE49-F238E27FC236}">
                 <a16:creationId xmlns:a16="http://schemas.microsoft.com/office/drawing/2014/main" id="{0F3105D4-E0F9-4EF8-82E0-4BFE553B4D19}"/>
               </a:ext>
             </a:extLst>
@@ -15953,7 +16595,7 @@
 </p:sld>
 </file>
 
-<file path=ppt/slides/slide6.xml><?xml version="1.0" encoding="utf-8"?>
+<file path=ppt/slides/slide7.xml><?xml version="1.0" encoding="utf-8"?>
 <p:sld xmlns:a="http://schemas.openxmlformats.org/drawingml/2006/main" xmlns:r="http://schemas.openxmlformats.org/officeDocument/2006/relationships" xmlns:p="http://schemas.openxmlformats.org/presentationml/2006/main">
   <p:cSld>
     <p:spTree>
@@ -16174,7 +16816,7 @@
 </p:sld>
 </file>
 
-<file path=ppt/slides/slide7.xml><?xml version="1.0" encoding="utf-8"?>
+<file path=ppt/slides/slide8.xml><?xml version="1.0" encoding="utf-8"?>
 <p:sld xmlns:a="http://schemas.openxmlformats.org/drawingml/2006/main" xmlns:r="http://schemas.openxmlformats.org/officeDocument/2006/relationships" xmlns:p="http://schemas.openxmlformats.org/presentationml/2006/main">
   <p:cSld>
     <p:spTree>
@@ -16326,7 +16968,7 @@
 </p:sld>
 </file>
 
-<file path=ppt/slides/slide8.xml><?xml version="1.0" encoding="utf-8"?>
+<file path=ppt/slides/slide9.xml><?xml version="1.0" encoding="utf-8"?>
 <p:sld xmlns:a="http://schemas.openxmlformats.org/drawingml/2006/main" xmlns:r="http://schemas.openxmlformats.org/officeDocument/2006/relationships" xmlns:p="http://schemas.openxmlformats.org/presentationml/2006/main">
   <p:cSld>
     <p:spTree>
@@ -16741,449 +17383,6 @@
     <p:extLst>
       <p:ext uri="{BB962C8B-B14F-4D97-AF65-F5344CB8AC3E}">
         <p14:creationId xmlns:p14="http://schemas.microsoft.com/office/powerpoint/2010/main" val="4153309689"/>
-      </p:ext>
-    </p:extLst>
-  </p:cSld>
-  <p:clrMapOvr>
-    <a:masterClrMapping/>
-  </p:clrMapOvr>
-</p:sld>
-</file>
-
-<file path=ppt/slides/slide9.xml><?xml version="1.0" encoding="utf-8"?>
-<p:sld xmlns:a="http://schemas.openxmlformats.org/drawingml/2006/main" xmlns:r="http://schemas.openxmlformats.org/officeDocument/2006/relationships" xmlns:p="http://schemas.openxmlformats.org/presentationml/2006/main">
-  <p:cSld>
-    <p:spTree>
-      <p:nvGrpSpPr>
-        <p:cNvPr id="1" name=""/>
-        <p:cNvGrpSpPr/>
-        <p:nvPr/>
-      </p:nvGrpSpPr>
-      <p:grpSpPr>
-        <a:xfrm>
-          <a:off x="0" y="0"/>
-          <a:ext cx="0" cy="0"/>
-          <a:chOff x="0" y="0"/>
-          <a:chExt cx="0" cy="0"/>
-        </a:xfrm>
-      </p:grpSpPr>
-      <p:sp>
-        <p:nvSpPr>
-          <p:cNvPr id="2" name="TextBox 1">
-            <a:extLst>
-              <a:ext uri="{FF2B5EF4-FFF2-40B4-BE49-F238E27FC236}">
-                <a16:creationId xmlns:a16="http://schemas.microsoft.com/office/drawing/2014/main" id="{3399CDD6-BDF9-4DC6-BDC9-2ACAC7D8E6EC}"/>
-              </a:ext>
-            </a:extLst>
-          </p:cNvPr>
-          <p:cNvSpPr txBox="1"/>
-          <p:nvPr/>
-        </p:nvSpPr>
-        <p:spPr>
-          <a:xfrm>
-            <a:off x="775474" y="133221"/>
-            <a:ext cx="10641051" cy="2462213"/>
-          </a:xfrm>
-          <a:prstGeom prst="rect">
-            <a:avLst/>
-          </a:prstGeom>
-          <a:noFill/>
-        </p:spPr>
-        <p:txBody>
-          <a:bodyPr wrap="square" rtlCol="0">
-            <a:spAutoFit/>
-          </a:bodyPr>
-          <a:lstStyle/>
-          <a:p>
-            <a:r>
-              <a:rPr lang="en-US" sz="3200" dirty="0" err="1">
-                <a:solidFill>
-                  <a:srgbClr val="FF0000"/>
-                </a:solidFill>
-              </a:rPr>
-              <a:t>SubBytes</a:t>
-            </a:r>
-            <a:r>
-              <a:rPr lang="en-US" sz="3200" dirty="0">
-                <a:solidFill>
-                  <a:srgbClr val="FF0000"/>
-                </a:solidFill>
-              </a:rPr>
-              <a:t>() Transformation</a:t>
-            </a:r>
-          </a:p>
-          <a:p>
-            <a:endParaRPr lang="en-US" sz="3200" dirty="0">
-              <a:solidFill>
-                <a:srgbClr val="FF0000"/>
-              </a:solidFill>
-            </a:endParaRPr>
-          </a:p>
-          <a:p>
-            <a:pPr marL="342900" indent="-342900">
-              <a:buClr>
-                <a:srgbClr val="FF0000"/>
-              </a:buClr>
-              <a:buFont typeface="Arial" panose="020B0604020202020204" pitchFamily="34" charset="0"/>
-              <a:buChar char="•"/>
-            </a:pPr>
-            <a:r>
-              <a:rPr lang="en-US" sz="2400" dirty="0" err="1"/>
-              <a:t>Chuyển</a:t>
-            </a:r>
-            <a:r>
-              <a:rPr lang="en-US" sz="2400" dirty="0"/>
-              <a:t> </a:t>
-            </a:r>
-            <a:r>
-              <a:rPr lang="en-US" sz="2400" dirty="0" err="1"/>
-              <a:t>hóa</a:t>
-            </a:r>
-            <a:r>
-              <a:rPr lang="en-US" sz="2400" dirty="0"/>
-              <a:t> </a:t>
-            </a:r>
-            <a:r>
-              <a:rPr lang="en-US" sz="2400" dirty="0" err="1"/>
-              <a:t>SubBytes</a:t>
-            </a:r>
-            <a:r>
-              <a:rPr lang="en-US" sz="2400" dirty="0"/>
-              <a:t>() </a:t>
-            </a:r>
-            <a:r>
-              <a:rPr lang="en-US" sz="2400" dirty="0" err="1"/>
-              <a:t>áp</a:t>
-            </a:r>
-            <a:r>
-              <a:rPr lang="en-US" sz="2400" dirty="0"/>
-              <a:t> </a:t>
-            </a:r>
-            <a:r>
-              <a:rPr lang="en-US" sz="2400" dirty="0" err="1"/>
-              <a:t>dụng</a:t>
-            </a:r>
-            <a:r>
-              <a:rPr lang="en-US" sz="2400" dirty="0"/>
-              <a:t> </a:t>
-            </a:r>
-            <a:r>
-              <a:rPr lang="en-US" sz="2400" dirty="0" err="1"/>
-              <a:t>trên</a:t>
-            </a:r>
-            <a:r>
-              <a:rPr lang="en-US" sz="2400" dirty="0"/>
-              <a:t> </a:t>
-            </a:r>
-            <a:r>
-              <a:rPr lang="en-US" sz="2400" dirty="0" err="1"/>
-              <a:t>từng</a:t>
-            </a:r>
-            <a:r>
-              <a:rPr lang="en-US" sz="2400" dirty="0"/>
-              <a:t> byte </a:t>
-            </a:r>
-            <a:r>
-              <a:rPr lang="en-US" sz="2400" dirty="0" err="1"/>
-              <a:t>của</a:t>
-            </a:r>
-            <a:r>
-              <a:rPr lang="en-US" sz="2400" dirty="0"/>
-              <a:t> State</a:t>
-            </a:r>
-          </a:p>
-          <a:p>
-            <a:pPr marL="342900" indent="-342900">
-              <a:buClr>
-                <a:srgbClr val="FF0000"/>
-              </a:buClr>
-              <a:buFont typeface="Arial" panose="020B0604020202020204" pitchFamily="34" charset="0"/>
-              <a:buChar char="•"/>
-            </a:pPr>
-            <a:r>
-              <a:rPr lang="en-US" sz="2400" dirty="0" err="1"/>
-              <a:t>Mỗi</a:t>
-            </a:r>
-            <a:r>
-              <a:rPr lang="en-US" sz="2400" dirty="0"/>
-              <a:t> byte </a:t>
-            </a:r>
-            <a:r>
-              <a:rPr lang="en-US" sz="2400" dirty="0" err="1"/>
-              <a:t>của</a:t>
-            </a:r>
-            <a:r>
-              <a:rPr lang="en-US" sz="2400" dirty="0"/>
-              <a:t> State </a:t>
-            </a:r>
-            <a:r>
-              <a:rPr lang="en-US" sz="2400" dirty="0" err="1"/>
-              <a:t>sẽ</a:t>
-            </a:r>
-            <a:r>
-              <a:rPr lang="en-US" sz="2400" dirty="0"/>
-              <a:t> đ</a:t>
-            </a:r>
-            <a:r>
-              <a:rPr lang="vi-VN" sz="2400" dirty="0"/>
-              <a:t>ư</a:t>
-            </a:r>
-            <a:r>
-              <a:rPr lang="en-US" sz="2400" dirty="0" err="1"/>
-              <a:t>ợc</a:t>
-            </a:r>
-            <a:r>
-              <a:rPr lang="en-US" sz="2400" dirty="0"/>
-              <a:t> </a:t>
-            </a:r>
-            <a:r>
-              <a:rPr lang="en-US" sz="2400" dirty="0" err="1"/>
-              <a:t>thay</a:t>
-            </a:r>
-            <a:r>
-              <a:rPr lang="en-US" sz="2400" dirty="0"/>
-              <a:t> </a:t>
-            </a:r>
-            <a:r>
-              <a:rPr lang="en-US" sz="2400" dirty="0" err="1"/>
-              <a:t>thế</a:t>
-            </a:r>
-            <a:r>
-              <a:rPr lang="en-US" sz="2400" dirty="0"/>
-              <a:t> </a:t>
-            </a:r>
-            <a:r>
-              <a:rPr lang="en-US" sz="2400" dirty="0" err="1"/>
-              <a:t>bằng</a:t>
-            </a:r>
-            <a:r>
-              <a:rPr lang="en-US" sz="2400" dirty="0"/>
-              <a:t> </a:t>
-            </a:r>
-            <a:r>
-              <a:rPr lang="en-US" sz="2400" dirty="0" err="1"/>
-              <a:t>một</a:t>
-            </a:r>
-            <a:r>
-              <a:rPr lang="en-US" sz="2400" dirty="0"/>
-              <a:t> byte </a:t>
-            </a:r>
-            <a:r>
-              <a:rPr lang="en-US" sz="2400" dirty="0" err="1"/>
-              <a:t>khác</a:t>
-            </a:r>
-            <a:r>
-              <a:rPr lang="en-US" sz="2400" dirty="0"/>
-              <a:t>. Byte </a:t>
-            </a:r>
-            <a:r>
-              <a:rPr lang="en-US" sz="2400" dirty="0" err="1"/>
-              <a:t>thay</a:t>
-            </a:r>
-            <a:r>
-              <a:rPr lang="en-US" sz="2400" dirty="0"/>
-              <a:t> </a:t>
-            </a:r>
-            <a:r>
-              <a:rPr lang="en-US" sz="2400" dirty="0" err="1"/>
-              <a:t>thế</a:t>
-            </a:r>
-            <a:r>
-              <a:rPr lang="en-US" sz="2400" dirty="0"/>
-              <a:t> đ</a:t>
-            </a:r>
-            <a:r>
-              <a:rPr lang="vi-VN" sz="2400" dirty="0"/>
-              <a:t>ư</a:t>
-            </a:r>
-            <a:r>
-              <a:rPr lang="en-US" sz="2400" dirty="0" err="1"/>
-              <a:t>ợc</a:t>
-            </a:r>
-            <a:r>
-              <a:rPr lang="en-US" sz="2400" dirty="0"/>
-              <a:t> </a:t>
-            </a:r>
-            <a:r>
-              <a:rPr lang="en-US" sz="2400" dirty="0" err="1"/>
-              <a:t>lấy</a:t>
-            </a:r>
-            <a:r>
-              <a:rPr lang="en-US" sz="2400" dirty="0"/>
-              <a:t> </a:t>
-            </a:r>
-            <a:r>
-              <a:rPr lang="en-US" sz="2400" dirty="0" err="1"/>
-              <a:t>từ</a:t>
-            </a:r>
-            <a:r>
-              <a:rPr lang="en-US" sz="2400" dirty="0"/>
-              <a:t> S-box, </a:t>
-            </a:r>
-            <a:r>
-              <a:rPr lang="en-US" sz="2400" dirty="0" err="1"/>
-              <a:t>vị</a:t>
-            </a:r>
-            <a:r>
-              <a:rPr lang="en-US" sz="2400" dirty="0"/>
-              <a:t> </a:t>
-            </a:r>
-            <a:r>
-              <a:rPr lang="en-US" sz="2400" dirty="0" err="1"/>
-              <a:t>trí</a:t>
-            </a:r>
-            <a:r>
-              <a:rPr lang="en-US" sz="2400" dirty="0"/>
-              <a:t> </a:t>
-            </a:r>
-            <a:r>
-              <a:rPr lang="en-US" sz="2400" dirty="0" err="1"/>
-              <a:t>trong</a:t>
-            </a:r>
-            <a:r>
-              <a:rPr lang="en-US" sz="2400" dirty="0"/>
-              <a:t> </a:t>
-            </a:r>
-            <a:r>
-              <a:rPr lang="en-US" sz="2400" dirty="0" err="1"/>
-              <a:t>bảng</a:t>
-            </a:r>
-            <a:r>
-              <a:rPr lang="en-US" sz="2400" dirty="0"/>
-              <a:t> </a:t>
-            </a:r>
-            <a:r>
-              <a:rPr lang="en-US" sz="2400" dirty="0" err="1"/>
-              <a:t>phụ</a:t>
-            </a:r>
-            <a:r>
-              <a:rPr lang="en-US" sz="2400" dirty="0"/>
-              <a:t> </a:t>
-            </a:r>
-            <a:r>
-              <a:rPr lang="en-US" sz="2400" dirty="0" err="1"/>
-              <a:t>thuộc</a:t>
-            </a:r>
-            <a:r>
-              <a:rPr lang="en-US" sz="2400" dirty="0"/>
-              <a:t> </a:t>
-            </a:r>
-            <a:r>
-              <a:rPr lang="en-US" sz="2400" dirty="0" err="1"/>
-              <a:t>vào</a:t>
-            </a:r>
-            <a:r>
-              <a:rPr lang="en-US" sz="2400" dirty="0"/>
-              <a:t> </a:t>
-            </a:r>
-            <a:r>
-              <a:rPr lang="en-US" sz="2400" dirty="0" err="1"/>
-              <a:t>chính</a:t>
-            </a:r>
-            <a:r>
-              <a:rPr lang="en-US" sz="2400" dirty="0"/>
-              <a:t> </a:t>
-            </a:r>
-            <a:r>
-              <a:rPr lang="en-US" sz="2400" dirty="0" err="1"/>
-              <a:t>giá</a:t>
-            </a:r>
-            <a:r>
-              <a:rPr lang="en-US" sz="2400" dirty="0"/>
-              <a:t> </a:t>
-            </a:r>
-            <a:r>
-              <a:rPr lang="en-US" sz="2400" dirty="0" err="1"/>
-              <a:t>trị</a:t>
-            </a:r>
-            <a:r>
-              <a:rPr lang="en-US" sz="2400" dirty="0"/>
-              <a:t> </a:t>
-            </a:r>
-            <a:r>
-              <a:rPr lang="en-US" sz="2400" dirty="0" err="1"/>
-              <a:t>của</a:t>
-            </a:r>
-            <a:r>
-              <a:rPr lang="en-US" sz="2400" dirty="0"/>
-              <a:t> byte đ</a:t>
-            </a:r>
-            <a:r>
-              <a:rPr lang="vi-VN" sz="2400" dirty="0"/>
-              <a:t>ư</a:t>
-            </a:r>
-            <a:r>
-              <a:rPr lang="en-US" sz="2400" dirty="0" err="1"/>
-              <a:t>ợc</a:t>
-            </a:r>
-            <a:r>
-              <a:rPr lang="en-US" sz="2400" dirty="0"/>
-              <a:t> </a:t>
-            </a:r>
-            <a:r>
-              <a:rPr lang="en-US" sz="2400" dirty="0" err="1"/>
-              <a:t>thay</a:t>
-            </a:r>
-            <a:r>
-              <a:rPr lang="en-US" sz="2400" dirty="0"/>
-              <a:t> </a:t>
-            </a:r>
-            <a:r>
-              <a:rPr lang="en-US" sz="2400" dirty="0" err="1"/>
-              <a:t>thế</a:t>
-            </a:r>
-            <a:r>
-              <a:rPr lang="en-US" sz="2400" dirty="0"/>
-              <a:t> </a:t>
-            </a:r>
-            <a:r>
-              <a:rPr lang="en-US" sz="2400" dirty="0" err="1"/>
-              <a:t>đó</a:t>
-            </a:r>
-            <a:r>
-              <a:rPr lang="en-US" sz="2400" dirty="0"/>
-              <a:t> </a:t>
-            </a:r>
-          </a:p>
-          <a:p>
-            <a:endParaRPr lang="en-US" dirty="0"/>
-          </a:p>
-        </p:txBody>
-      </p:sp>
-      <p:pic>
-        <p:nvPicPr>
-          <p:cNvPr id="5" name="Picture 4" descr="A screenshot of a cell phone&#10;&#10;Description generated with high confidence">
-            <a:extLst>
-              <a:ext uri="{FF2B5EF4-FFF2-40B4-BE49-F238E27FC236}">
-                <a16:creationId xmlns:a16="http://schemas.microsoft.com/office/drawing/2014/main" id="{ABA473EB-BC5C-461B-BB3C-B648F1B50755}"/>
-              </a:ext>
-            </a:extLst>
-          </p:cNvPr>
-          <p:cNvPicPr>
-            <a:picLocks noChangeAspect="1"/>
-          </p:cNvPicPr>
-          <p:nvPr/>
-        </p:nvPicPr>
-        <p:blipFill>
-          <a:blip r:embed="rId2"/>
-          <a:stretch>
-            <a:fillRect/>
-          </a:stretch>
-        </p:blipFill>
-        <p:spPr>
-          <a:xfrm>
-            <a:off x="2036956" y="2404606"/>
-            <a:ext cx="8118088" cy="4151295"/>
-          </a:xfrm>
-          <a:prstGeom prst="rect">
-            <a:avLst/>
-          </a:prstGeom>
-        </p:spPr>
-      </p:pic>
-    </p:spTree>
-    <p:extLst>
-      <p:ext uri="{BB962C8B-B14F-4D97-AF65-F5344CB8AC3E}">
-        <p14:creationId xmlns:p14="http://schemas.microsoft.com/office/powerpoint/2010/main" val="3034982573"/>
       </p:ext>
     </p:extLst>
   </p:cSld>
